--- a/01_AlgorithmsComplexity/Nasko/01_Сложност на алгоритми.pptx
+++ b/01_AlgorithmsComplexity/Nasko/01_Сложност на алгоритми.pptx
@@ -15763,18 +15763,6 @@
             </a:r>
             <a:endParaRPr lang="bg-BG" dirty="0"/>
           </a:p>
-          <a:p>
-            <a:r>
-              <a:rPr lang="en-US" dirty="0">
-                <a:hlinkClick r:id="rId4"/>
-              </a:rPr>
-              <a:t>https://www.hackerrank.com/contests/sda-homework-1/challenges</a:t>
-            </a:r>
-            <a:endParaRPr lang="bg-BG" dirty="0"/>
-          </a:p>
-          <a:p>
-            <a:endParaRPr lang="bg-BG" dirty="0"/>
-          </a:p>
         </p:txBody>
       </p:sp>
     </p:spTree>
@@ -24467,14 +24455,35 @@
           <a:lstStyle/>
           <a:p>
             <a:r>
+              <a:rPr lang="en-US" dirty="0"/>
+              <a:t>Moves zeros - </a:t>
+            </a:r>
+            <a:r>
               <a:rPr lang="en-US" dirty="0">
                 <a:hlinkClick r:id="rId2"/>
               </a:rPr>
-              <a:t>https://github.com/NaskoVasilev/SDA_2022-2023/tree/main/Homeworks/01_Homework</a:t>
+              <a:t>https://leetcode.com/problems/move-zeroes/</a:t>
             </a:r>
-            <a:endParaRPr lang="bg-BG" dirty="0"/>
+            <a:r>
+              <a:rPr lang="en-US" dirty="0"/>
+              <a:t> </a:t>
+            </a:r>
           </a:p>
           <a:p>
+            <a:r>
+              <a:rPr lang="en-US" dirty="0"/>
+              <a:t>Password encoding: </a:t>
+            </a:r>
+            <a:r>
+              <a:rPr lang="en-US" dirty="0">
+                <a:hlinkClick r:id="rId3"/>
+              </a:rPr>
+              <a:t>https://www.hackerrank.com/contests/practice-1-sda/challenges/encoding-password</a:t>
+            </a:r>
+            <a:r>
+              <a:rPr lang="en-US" dirty="0"/>
+              <a:t> </a:t>
+            </a:r>
             <a:endParaRPr lang="bg-BG" dirty="0"/>
           </a:p>
         </p:txBody>

--- a/01_AlgorithmsComplexity/Nasko/01_Сложност на алгоритми.pptx
+++ b/01_AlgorithmsComplexity/Nasko/01_Сложност на алгоритми.pptx
@@ -3337,7 +3337,7 @@
           <a:noFill/>
           <a:extLst>
             <a:ext uri="{909E8E84-426E-40dd-AFC4-6F175D3DCCD1}">
-              <a14:hiddenFill xmlns:a14="http://schemas.microsoft.com/office/drawing/2010/main" xmlns="">
+              <a14:hiddenFill xmlns="" xmlns:a14="http://schemas.microsoft.com/office/drawing/2010/main">
                 <a:solidFill>
                   <a:srgbClr val="FFFFFF"/>
                 </a:solidFill>
@@ -3397,7 +3397,7 @@
             </a:ln>
             <a:extLst>
               <a:ext uri="{91240B29-F687-4f45-9708-019B960494DF}">
-                <a14:hiddenLine xmlns:a14="http://schemas.microsoft.com/office/drawing/2010/main" xmlns="" w="9525">
+                <a14:hiddenLine xmlns="" xmlns:a14="http://schemas.microsoft.com/office/drawing/2010/main" w="9525">
                   <a:solidFill>
                     <a:srgbClr val="000000"/>
                   </a:solidFill>
@@ -3487,7 +3487,7 @@
             </a:ln>
             <a:extLst>
               <a:ext uri="{91240B29-F687-4f45-9708-019B960494DF}">
-                <a14:hiddenLine xmlns:a14="http://schemas.microsoft.com/office/drawing/2010/main" xmlns="" w="9525">
+                <a14:hiddenLine xmlns="" xmlns:a14="http://schemas.microsoft.com/office/drawing/2010/main" w="9525">
                   <a:solidFill>
                     <a:srgbClr val="000000"/>
                   </a:solidFill>
@@ -3577,7 +3577,7 @@
             </a:ln>
             <a:extLst>
               <a:ext uri="{91240B29-F687-4f45-9708-019B960494DF}">
-                <a14:hiddenLine xmlns:a14="http://schemas.microsoft.com/office/drawing/2010/main" xmlns="" w="9525">
+                <a14:hiddenLine xmlns="" xmlns:a14="http://schemas.microsoft.com/office/drawing/2010/main" w="9525">
                   <a:solidFill>
                     <a:srgbClr val="000000"/>
                   </a:solidFill>
@@ -3611,7 +3611,7 @@
             </a:ln>
             <a:extLst>
               <a:ext uri="{91240B29-F687-4f45-9708-019B960494DF}">
-                <a14:hiddenLine xmlns:a14="http://schemas.microsoft.com/office/drawing/2010/main" xmlns="" w="9525">
+                <a14:hiddenLine xmlns="" xmlns:a14="http://schemas.microsoft.com/office/drawing/2010/main" w="9525">
                   <a:solidFill>
                     <a:srgbClr val="000000"/>
                   </a:solidFill>
@@ -3701,7 +3701,7 @@
             </a:ln>
             <a:extLst>
               <a:ext uri="{91240B29-F687-4f45-9708-019B960494DF}">
-                <a14:hiddenLine xmlns:a14="http://schemas.microsoft.com/office/drawing/2010/main" xmlns="" w="9525">
+                <a14:hiddenLine xmlns="" xmlns:a14="http://schemas.microsoft.com/office/drawing/2010/main" w="9525">
                   <a:solidFill>
                     <a:srgbClr val="000000"/>
                   </a:solidFill>
@@ -3763,7 +3763,7 @@
             </a:ln>
             <a:extLst>
               <a:ext uri="{91240B29-F687-4f45-9708-019B960494DF}">
-                <a14:hiddenLine xmlns:a14="http://schemas.microsoft.com/office/drawing/2010/main" xmlns="" w="9525">
+                <a14:hiddenLine xmlns="" xmlns:a14="http://schemas.microsoft.com/office/drawing/2010/main" w="9525">
                   <a:solidFill>
                     <a:srgbClr val="000000"/>
                   </a:solidFill>
@@ -3825,7 +3825,7 @@
             </a:ln>
             <a:extLst>
               <a:ext uri="{91240B29-F687-4f45-9708-019B960494DF}">
-                <a14:hiddenLine xmlns:a14="http://schemas.microsoft.com/office/drawing/2010/main" xmlns="" w="9525">
+                <a14:hiddenLine xmlns="" xmlns:a14="http://schemas.microsoft.com/office/drawing/2010/main" w="9525">
                   <a:solidFill>
                     <a:srgbClr val="000000"/>
                   </a:solidFill>
@@ -3915,7 +3915,7 @@
             </a:ln>
             <a:extLst>
               <a:ext uri="{91240B29-F687-4f45-9708-019B960494DF}">
-                <a14:hiddenLine xmlns:a14="http://schemas.microsoft.com/office/drawing/2010/main" xmlns="" w="9525">
+                <a14:hiddenLine xmlns="" xmlns:a14="http://schemas.microsoft.com/office/drawing/2010/main" w="9525">
                   <a:solidFill>
                     <a:srgbClr val="000000"/>
                   </a:solidFill>
@@ -3977,7 +3977,7 @@
             </a:ln>
             <a:extLst>
               <a:ext uri="{91240B29-F687-4f45-9708-019B960494DF}">
-                <a14:hiddenLine xmlns:a14="http://schemas.microsoft.com/office/drawing/2010/main" xmlns="" w="9525">
+                <a14:hiddenLine xmlns="" xmlns:a14="http://schemas.microsoft.com/office/drawing/2010/main" w="9525">
                   <a:solidFill>
                     <a:srgbClr val="000000"/>
                   </a:solidFill>
@@ -4039,7 +4039,7 @@
             </a:ln>
             <a:extLst>
               <a:ext uri="{91240B29-F687-4f45-9708-019B960494DF}">
-                <a14:hiddenLine xmlns:a14="http://schemas.microsoft.com/office/drawing/2010/main" xmlns="" w="9525">
+                <a14:hiddenLine xmlns="" xmlns:a14="http://schemas.microsoft.com/office/drawing/2010/main" w="9525">
                   <a:solidFill>
                     <a:srgbClr val="000000"/>
                   </a:solidFill>
@@ -4129,7 +4129,7 @@
             </a:ln>
             <a:extLst>
               <a:ext uri="{91240B29-F687-4f45-9708-019B960494DF}">
-                <a14:hiddenLine xmlns:a14="http://schemas.microsoft.com/office/drawing/2010/main" xmlns="" w="9525">
+                <a14:hiddenLine xmlns="" xmlns:a14="http://schemas.microsoft.com/office/drawing/2010/main" w="9525">
                   <a:solidFill>
                     <a:srgbClr val="000000"/>
                   </a:solidFill>
@@ -4219,7 +4219,7 @@
             </a:ln>
             <a:extLst>
               <a:ext uri="{91240B29-F687-4f45-9708-019B960494DF}">
-                <a14:hiddenLine xmlns:a14="http://schemas.microsoft.com/office/drawing/2010/main" xmlns="" w="9525">
+                <a14:hiddenLine xmlns="" xmlns:a14="http://schemas.microsoft.com/office/drawing/2010/main" w="9525">
                   <a:solidFill>
                     <a:srgbClr val="000000"/>
                   </a:solidFill>
@@ -4281,7 +4281,7 @@
             </a:ln>
             <a:extLst>
               <a:ext uri="{91240B29-F687-4f45-9708-019B960494DF}">
-                <a14:hiddenLine xmlns:a14="http://schemas.microsoft.com/office/drawing/2010/main" xmlns="" w="9525">
+                <a14:hiddenLine xmlns="" xmlns:a14="http://schemas.microsoft.com/office/drawing/2010/main" w="9525">
                   <a:solidFill>
                     <a:srgbClr val="000000"/>
                   </a:solidFill>
@@ -4391,7 +4391,7 @@
             </a:ln>
             <a:extLst>
               <a:ext uri="{91240B29-F687-4f45-9708-019B960494DF}">
-                <a14:hiddenLine xmlns:a14="http://schemas.microsoft.com/office/drawing/2010/main" xmlns="" w="9525">
+                <a14:hiddenLine xmlns="" xmlns:a14="http://schemas.microsoft.com/office/drawing/2010/main" w="9525">
                   <a:solidFill>
                     <a:srgbClr val="000000"/>
                   </a:solidFill>
@@ -4453,7 +4453,7 @@
             </a:ln>
             <a:extLst>
               <a:ext uri="{91240B29-F687-4f45-9708-019B960494DF}">
-                <a14:hiddenLine xmlns:a14="http://schemas.microsoft.com/office/drawing/2010/main" xmlns="" w="9525">
+                <a14:hiddenLine xmlns="" xmlns:a14="http://schemas.microsoft.com/office/drawing/2010/main" w="9525">
                   <a:solidFill>
                     <a:srgbClr val="000000"/>
                   </a:solidFill>
@@ -4543,7 +4543,7 @@
             </a:ln>
             <a:extLst>
               <a:ext uri="{91240B29-F687-4f45-9708-019B960494DF}">
-                <a14:hiddenLine xmlns:a14="http://schemas.microsoft.com/office/drawing/2010/main" xmlns="" w="9525">
+                <a14:hiddenLine xmlns="" xmlns:a14="http://schemas.microsoft.com/office/drawing/2010/main" w="9525">
                   <a:solidFill>
                     <a:srgbClr val="000000"/>
                   </a:solidFill>
@@ -4633,7 +4633,7 @@
             </a:ln>
             <a:extLst>
               <a:ext uri="{91240B29-F687-4f45-9708-019B960494DF}">
-                <a14:hiddenLine xmlns:a14="http://schemas.microsoft.com/office/drawing/2010/main" xmlns="" w="9525">
+                <a14:hiddenLine xmlns="" xmlns:a14="http://schemas.microsoft.com/office/drawing/2010/main" w="9525">
                   <a:solidFill>
                     <a:srgbClr val="000000"/>
                   </a:solidFill>
@@ -4695,7 +4695,7 @@
             </a:ln>
             <a:extLst>
               <a:ext uri="{91240B29-F687-4f45-9708-019B960494DF}">
-                <a14:hiddenLine xmlns:a14="http://schemas.microsoft.com/office/drawing/2010/main" xmlns="" w="9525">
+                <a14:hiddenLine xmlns="" xmlns:a14="http://schemas.microsoft.com/office/drawing/2010/main" w="9525">
                   <a:solidFill>
                     <a:srgbClr val="000000"/>
                   </a:solidFill>
@@ -4785,7 +4785,7 @@
             </a:ln>
             <a:extLst>
               <a:ext uri="{91240B29-F687-4f45-9708-019B960494DF}">
-                <a14:hiddenLine xmlns:a14="http://schemas.microsoft.com/office/drawing/2010/main" xmlns="" w="9525">
+                <a14:hiddenLine xmlns="" xmlns:a14="http://schemas.microsoft.com/office/drawing/2010/main" w="9525">
                   <a:solidFill>
                     <a:srgbClr val="000000"/>
                   </a:solidFill>
@@ -4875,7 +4875,7 @@
             </a:ln>
             <a:extLst>
               <a:ext uri="{91240B29-F687-4f45-9708-019B960494DF}">
-                <a14:hiddenLine xmlns:a14="http://schemas.microsoft.com/office/drawing/2010/main" xmlns="" w="9525">
+                <a14:hiddenLine xmlns="" xmlns:a14="http://schemas.microsoft.com/office/drawing/2010/main" w="9525">
                   <a:solidFill>
                     <a:srgbClr val="000000"/>
                   </a:solidFill>
@@ -4931,7 +4931,7 @@
             </a:ln>
             <a:extLst>
               <a:ext uri="{91240B29-F687-4f45-9708-019B960494DF}">
-                <a14:hiddenLine xmlns:a14="http://schemas.microsoft.com/office/drawing/2010/main" xmlns="" w="9525">
+                <a14:hiddenLine xmlns="" xmlns:a14="http://schemas.microsoft.com/office/drawing/2010/main" w="9525">
                   <a:solidFill>
                     <a:srgbClr val="000000"/>
                   </a:solidFill>
@@ -5021,7 +5021,7 @@
             </a:ln>
             <a:extLst>
               <a:ext uri="{91240B29-F687-4f45-9708-019B960494DF}">
-                <a14:hiddenLine xmlns:a14="http://schemas.microsoft.com/office/drawing/2010/main" xmlns="" w="9525">
+                <a14:hiddenLine xmlns="" xmlns:a14="http://schemas.microsoft.com/office/drawing/2010/main" w="9525">
                   <a:solidFill>
                     <a:srgbClr val="000000"/>
                   </a:solidFill>
@@ -5077,7 +5077,7 @@
             </a:ln>
             <a:extLst>
               <a:ext uri="{91240B29-F687-4f45-9708-019B960494DF}">
-                <a14:hiddenLine xmlns:a14="http://schemas.microsoft.com/office/drawing/2010/main" xmlns="" w="9525">
+                <a14:hiddenLine xmlns="" xmlns:a14="http://schemas.microsoft.com/office/drawing/2010/main" w="9525">
                   <a:solidFill>
                     <a:srgbClr val="000000"/>
                   </a:solidFill>
@@ -5167,7 +5167,7 @@
             </a:ln>
             <a:extLst>
               <a:ext uri="{91240B29-F687-4f45-9708-019B960494DF}">
-                <a14:hiddenLine xmlns:a14="http://schemas.microsoft.com/office/drawing/2010/main" xmlns="" w="9525">
+                <a14:hiddenLine xmlns="" xmlns:a14="http://schemas.microsoft.com/office/drawing/2010/main" w="9525">
                   <a:solidFill>
                     <a:srgbClr val="000000"/>
                   </a:solidFill>
@@ -5235,7 +5235,7 @@
             </a:ln>
             <a:extLst>
               <a:ext uri="{91240B29-F687-4f45-9708-019B960494DF}">
-                <a14:hiddenLine xmlns:a14="http://schemas.microsoft.com/office/drawing/2010/main" xmlns="" w="9525">
+                <a14:hiddenLine xmlns="" xmlns:a14="http://schemas.microsoft.com/office/drawing/2010/main" w="9525">
                   <a:solidFill>
                     <a:srgbClr val="000000"/>
                   </a:solidFill>
@@ -5325,7 +5325,7 @@
             </a:ln>
             <a:extLst>
               <a:ext uri="{91240B29-F687-4f45-9708-019B960494DF}">
-                <a14:hiddenLine xmlns:a14="http://schemas.microsoft.com/office/drawing/2010/main" xmlns="" w="9525">
+                <a14:hiddenLine xmlns="" xmlns:a14="http://schemas.microsoft.com/office/drawing/2010/main" w="9525">
                   <a:solidFill>
                     <a:srgbClr val="000000"/>
                   </a:solidFill>
@@ -5393,7 +5393,7 @@
             </a:ln>
             <a:extLst>
               <a:ext uri="{91240B29-F687-4f45-9708-019B960494DF}">
-                <a14:hiddenLine xmlns:a14="http://schemas.microsoft.com/office/drawing/2010/main" xmlns="" w="9525">
+                <a14:hiddenLine xmlns="" xmlns:a14="http://schemas.microsoft.com/office/drawing/2010/main" w="9525">
                   <a:solidFill>
                     <a:srgbClr val="000000"/>
                   </a:solidFill>
@@ -5483,7 +5483,7 @@
             </a:ln>
             <a:extLst>
               <a:ext uri="{91240B29-F687-4f45-9708-019B960494DF}">
-                <a14:hiddenLine xmlns:a14="http://schemas.microsoft.com/office/drawing/2010/main" xmlns="" w="9525">
+                <a14:hiddenLine xmlns="" xmlns:a14="http://schemas.microsoft.com/office/drawing/2010/main" w="9525">
                   <a:solidFill>
                     <a:srgbClr val="000000"/>
                   </a:solidFill>
@@ -5517,7 +5517,7 @@
             </a:ln>
             <a:extLst>
               <a:ext uri="{91240B29-F687-4f45-9708-019B960494DF}">
-                <a14:hiddenLine xmlns:a14="http://schemas.microsoft.com/office/drawing/2010/main" xmlns="" w="9525">
+                <a14:hiddenLine xmlns="" xmlns:a14="http://schemas.microsoft.com/office/drawing/2010/main" w="9525">
                   <a:solidFill>
                     <a:srgbClr val="000000"/>
                   </a:solidFill>
@@ -5607,7 +5607,7 @@
             </a:ln>
             <a:extLst>
               <a:ext uri="{91240B29-F687-4f45-9708-019B960494DF}">
-                <a14:hiddenLine xmlns:a14="http://schemas.microsoft.com/office/drawing/2010/main" xmlns="" w="9525">
+                <a14:hiddenLine xmlns="" xmlns:a14="http://schemas.microsoft.com/office/drawing/2010/main" w="9525">
                   <a:solidFill>
                     <a:srgbClr val="000000"/>
                   </a:solidFill>
@@ -5669,7 +5669,7 @@
             </a:ln>
             <a:extLst>
               <a:ext uri="{91240B29-F687-4f45-9708-019B960494DF}">
-                <a14:hiddenLine xmlns:a14="http://schemas.microsoft.com/office/drawing/2010/main" xmlns="" w="9525">
+                <a14:hiddenLine xmlns="" xmlns:a14="http://schemas.microsoft.com/office/drawing/2010/main" w="9525">
                   <a:solidFill>
                     <a:srgbClr val="000000"/>
                   </a:solidFill>
@@ -5731,7 +5731,7 @@
             </a:ln>
             <a:extLst>
               <a:ext uri="{91240B29-F687-4f45-9708-019B960494DF}">
-                <a14:hiddenLine xmlns:a14="http://schemas.microsoft.com/office/drawing/2010/main" xmlns="" w="9525">
+                <a14:hiddenLine xmlns="" xmlns:a14="http://schemas.microsoft.com/office/drawing/2010/main" w="9525">
                   <a:solidFill>
                     <a:srgbClr val="000000"/>
                   </a:solidFill>
@@ -5821,7 +5821,7 @@
             </a:ln>
             <a:extLst>
               <a:ext uri="{91240B29-F687-4f45-9708-019B960494DF}">
-                <a14:hiddenLine xmlns:a14="http://schemas.microsoft.com/office/drawing/2010/main" xmlns="" w="9525">
+                <a14:hiddenLine xmlns="" xmlns:a14="http://schemas.microsoft.com/office/drawing/2010/main" w="9525">
                   <a:solidFill>
                     <a:srgbClr val="000000"/>
                   </a:solidFill>
@@ -5889,7 +5889,7 @@
             </a:ln>
             <a:extLst>
               <a:ext uri="{91240B29-F687-4f45-9708-019B960494DF}">
-                <a14:hiddenLine xmlns:a14="http://schemas.microsoft.com/office/drawing/2010/main" xmlns="" w="9525">
+                <a14:hiddenLine xmlns="" xmlns:a14="http://schemas.microsoft.com/office/drawing/2010/main" w="9525">
                   <a:solidFill>
                     <a:srgbClr val="000000"/>
                   </a:solidFill>
@@ -5951,7 +5951,7 @@
             </a:ln>
             <a:extLst>
               <a:ext uri="{91240B29-F687-4f45-9708-019B960494DF}">
-                <a14:hiddenLine xmlns:a14="http://schemas.microsoft.com/office/drawing/2010/main" xmlns="" w="9525">
+                <a14:hiddenLine xmlns="" xmlns:a14="http://schemas.microsoft.com/office/drawing/2010/main" w="9525">
                   <a:solidFill>
                     <a:srgbClr val="000000"/>
                   </a:solidFill>
@@ -6041,7 +6041,7 @@
             </a:ln>
             <a:extLst>
               <a:ext uri="{91240B29-F687-4f45-9708-019B960494DF}">
-                <a14:hiddenLine xmlns:a14="http://schemas.microsoft.com/office/drawing/2010/main" xmlns="" w="9525">
+                <a14:hiddenLine xmlns="" xmlns:a14="http://schemas.microsoft.com/office/drawing/2010/main" w="9525">
                   <a:solidFill>
                     <a:srgbClr val="000000"/>
                   </a:solidFill>
@@ -6103,7 +6103,7 @@
             </a:ln>
             <a:extLst>
               <a:ext uri="{91240B29-F687-4f45-9708-019B960494DF}">
-                <a14:hiddenLine xmlns:a14="http://schemas.microsoft.com/office/drawing/2010/main" xmlns="" w="9525">
+                <a14:hiddenLine xmlns="" xmlns:a14="http://schemas.microsoft.com/office/drawing/2010/main" w="9525">
                   <a:solidFill>
                     <a:srgbClr val="000000"/>
                   </a:solidFill>
@@ -6193,7 +6193,7 @@
             </a:ln>
             <a:extLst>
               <a:ext uri="{91240B29-F687-4f45-9708-019B960494DF}">
-                <a14:hiddenLine xmlns:a14="http://schemas.microsoft.com/office/drawing/2010/main" xmlns="" w="9525">
+                <a14:hiddenLine xmlns="" xmlns:a14="http://schemas.microsoft.com/office/drawing/2010/main" w="9525">
                   <a:solidFill>
                     <a:srgbClr val="000000"/>
                   </a:solidFill>
@@ -6255,7 +6255,7 @@
             </a:ln>
             <a:extLst>
               <a:ext uri="{91240B29-F687-4f45-9708-019B960494DF}">
-                <a14:hiddenLine xmlns:a14="http://schemas.microsoft.com/office/drawing/2010/main" xmlns="" w="9525">
+                <a14:hiddenLine xmlns="" xmlns:a14="http://schemas.microsoft.com/office/drawing/2010/main" w="9525">
                   <a:solidFill>
                     <a:srgbClr val="000000"/>
                   </a:solidFill>
@@ -6345,7 +6345,7 @@
             </a:ln>
             <a:extLst>
               <a:ext uri="{91240B29-F687-4f45-9708-019B960494DF}">
-                <a14:hiddenLine xmlns:a14="http://schemas.microsoft.com/office/drawing/2010/main" xmlns="" w="9525">
+                <a14:hiddenLine xmlns="" xmlns:a14="http://schemas.microsoft.com/office/drawing/2010/main" w="9525">
                   <a:solidFill>
                     <a:srgbClr val="000000"/>
                   </a:solidFill>
@@ -6379,7 +6379,7 @@
             </a:ln>
             <a:extLst>
               <a:ext uri="{91240B29-F687-4f45-9708-019B960494DF}">
-                <a14:hiddenLine xmlns:a14="http://schemas.microsoft.com/office/drawing/2010/main" xmlns="" w="9525">
+                <a14:hiddenLine xmlns="" xmlns:a14="http://schemas.microsoft.com/office/drawing/2010/main" w="9525">
                   <a:solidFill>
                     <a:srgbClr val="000000"/>
                   </a:solidFill>
@@ -6444,7 +6444,7 @@
             </a:ln>
             <a:extLst>
               <a:ext uri="{91240B29-F687-4f45-9708-019B960494DF}">
-                <a14:hiddenLine xmlns:a14="http://schemas.microsoft.com/office/drawing/2010/main" xmlns="" w="9525">
+                <a14:hiddenLine xmlns="" xmlns:a14="http://schemas.microsoft.com/office/drawing/2010/main" w="9525">
                   <a:solidFill>
                     <a:srgbClr val="000000"/>
                   </a:solidFill>
@@ -6534,7 +6534,7 @@
             </a:ln>
             <a:extLst>
               <a:ext uri="{91240B29-F687-4f45-9708-019B960494DF}">
-                <a14:hiddenLine xmlns:a14="http://schemas.microsoft.com/office/drawing/2010/main" xmlns="" w="9525">
+                <a14:hiddenLine xmlns="" xmlns:a14="http://schemas.microsoft.com/office/drawing/2010/main" w="9525">
                   <a:solidFill>
                     <a:srgbClr val="000000"/>
                   </a:solidFill>
@@ -6596,7 +6596,7 @@
             </a:ln>
             <a:extLst>
               <a:ext uri="{91240B29-F687-4f45-9708-019B960494DF}">
-                <a14:hiddenLine xmlns:a14="http://schemas.microsoft.com/office/drawing/2010/main" xmlns="" w="9525">
+                <a14:hiddenLine xmlns="" xmlns:a14="http://schemas.microsoft.com/office/drawing/2010/main" w="9525">
                   <a:solidFill>
                     <a:srgbClr val="000000"/>
                   </a:solidFill>
@@ -6686,7 +6686,7 @@
             </a:ln>
             <a:extLst>
               <a:ext uri="{91240B29-F687-4f45-9708-019B960494DF}">
-                <a14:hiddenLine xmlns:a14="http://schemas.microsoft.com/office/drawing/2010/main" xmlns="" w="9525">
+                <a14:hiddenLine xmlns="" xmlns:a14="http://schemas.microsoft.com/office/drawing/2010/main" w="9525">
                   <a:solidFill>
                     <a:srgbClr val="000000"/>
                   </a:solidFill>
@@ -6776,7 +6776,7 @@
             </a:ln>
             <a:extLst>
               <a:ext uri="{91240B29-F687-4f45-9708-019B960494DF}">
-                <a14:hiddenLine xmlns:a14="http://schemas.microsoft.com/office/drawing/2010/main" xmlns="" w="9525">
+                <a14:hiddenLine xmlns="" xmlns:a14="http://schemas.microsoft.com/office/drawing/2010/main" w="9525">
                   <a:solidFill>
                     <a:srgbClr val="000000"/>
                   </a:solidFill>
@@ -6841,7 +6841,7 @@
             </a:ln>
             <a:extLst>
               <a:ext uri="{91240B29-F687-4f45-9708-019B960494DF}">
-                <a14:hiddenLine xmlns:a14="http://schemas.microsoft.com/office/drawing/2010/main" xmlns="" w="9525">
+                <a14:hiddenLine xmlns="" xmlns:a14="http://schemas.microsoft.com/office/drawing/2010/main" w="9525">
                   <a:solidFill>
                     <a:srgbClr val="000000"/>
                   </a:solidFill>
@@ -6903,7 +6903,7 @@
             </a:ln>
             <a:extLst>
               <a:ext uri="{91240B29-F687-4f45-9708-019B960494DF}">
-                <a14:hiddenLine xmlns:a14="http://schemas.microsoft.com/office/drawing/2010/main" xmlns="" w="9525">
+                <a14:hiddenLine xmlns="" xmlns:a14="http://schemas.microsoft.com/office/drawing/2010/main" w="9525">
                   <a:solidFill>
                     <a:srgbClr val="000000"/>
                   </a:solidFill>
@@ -6993,7 +6993,7 @@
             </a:ln>
             <a:extLst>
               <a:ext uri="{91240B29-F687-4f45-9708-019B960494DF}">
-                <a14:hiddenLine xmlns:a14="http://schemas.microsoft.com/office/drawing/2010/main" xmlns="" w="9525">
+                <a14:hiddenLine xmlns="" xmlns:a14="http://schemas.microsoft.com/office/drawing/2010/main" w="9525">
                   <a:solidFill>
                     <a:srgbClr val="000000"/>
                   </a:solidFill>
@@ -7083,7 +7083,7 @@
             </a:ln>
             <a:extLst>
               <a:ext uri="{91240B29-F687-4f45-9708-019B960494DF}">
-                <a14:hiddenLine xmlns:a14="http://schemas.microsoft.com/office/drawing/2010/main" xmlns="" w="9525">
+                <a14:hiddenLine xmlns="" xmlns:a14="http://schemas.microsoft.com/office/drawing/2010/main" w="9525">
                   <a:solidFill>
                     <a:srgbClr val="000000"/>
                   </a:solidFill>
@@ -7145,7 +7145,7 @@
             </a:ln>
             <a:extLst>
               <a:ext uri="{91240B29-F687-4f45-9708-019B960494DF}">
-                <a14:hiddenLine xmlns:a14="http://schemas.microsoft.com/office/drawing/2010/main" xmlns="" w="9525">
+                <a14:hiddenLine xmlns="" xmlns:a14="http://schemas.microsoft.com/office/drawing/2010/main" w="9525">
                   <a:solidFill>
                     <a:srgbClr val="000000"/>
                   </a:solidFill>
@@ -7265,7 +7265,7 @@
             </a:ln>
             <a:extLst>
               <a:ext uri="{91240B29-F687-4f45-9708-019B960494DF}">
-                <a14:hiddenLine xmlns:a14="http://schemas.microsoft.com/office/drawing/2010/main" xmlns="" w="9525">
+                <a14:hiddenLine xmlns="" xmlns:a14="http://schemas.microsoft.com/office/drawing/2010/main" w="9525">
                   <a:solidFill>
                     <a:srgbClr val="000000"/>
                   </a:solidFill>
@@ -7333,7 +7333,7 @@
             </a:ln>
             <a:extLst>
               <a:ext uri="{91240B29-F687-4f45-9708-019B960494DF}">
-                <a14:hiddenLine xmlns:a14="http://schemas.microsoft.com/office/drawing/2010/main" xmlns="" w="9525">
+                <a14:hiddenLine xmlns="" xmlns:a14="http://schemas.microsoft.com/office/drawing/2010/main" w="9525">
                   <a:solidFill>
                     <a:srgbClr val="000000"/>
                   </a:solidFill>
@@ -7423,7 +7423,7 @@
             </a:ln>
             <a:extLst>
               <a:ext uri="{91240B29-F687-4f45-9708-019B960494DF}">
-                <a14:hiddenLine xmlns:a14="http://schemas.microsoft.com/office/drawing/2010/main" xmlns="" w="9525">
+                <a14:hiddenLine xmlns="" xmlns:a14="http://schemas.microsoft.com/office/drawing/2010/main" w="9525">
                   <a:solidFill>
                     <a:srgbClr val="000000"/>
                   </a:solidFill>
@@ -7563,7 +7563,7 @@
           <a:p>
             <a:fld id="{16B4F6EC-BCFD-4F50-B80B-64228533EB80}" type="datetimeFigureOut">
               <a:rPr lang="bg-BG" smtClean="0"/>
-              <a:t>5.10.2022 г.</a:t>
+              <a:t>6.10.2022 г.</a:t>
             </a:fld>
             <a:endParaRPr lang="bg-BG"/>
           </a:p>
@@ -7830,7 +7830,7 @@
           <a:p>
             <a:fld id="{16B4F6EC-BCFD-4F50-B80B-64228533EB80}" type="datetimeFigureOut">
               <a:rPr lang="bg-BG" smtClean="0"/>
-              <a:t>5.10.2022 г.</a:t>
+              <a:t>6.10.2022 г.</a:t>
             </a:fld>
             <a:endParaRPr lang="bg-BG"/>
           </a:p>
@@ -8026,7 +8026,7 @@
           <a:p>
             <a:fld id="{16B4F6EC-BCFD-4F50-B80B-64228533EB80}" type="datetimeFigureOut">
               <a:rPr lang="bg-BG" smtClean="0"/>
-              <a:t>5.10.2022 г.</a:t>
+              <a:t>6.10.2022 г.</a:t>
             </a:fld>
             <a:endParaRPr lang="bg-BG"/>
           </a:p>
@@ -8289,7 +8289,7 @@
           <a:p>
             <a:fld id="{16B4F6EC-BCFD-4F50-B80B-64228533EB80}" type="datetimeFigureOut">
               <a:rPr lang="bg-BG" smtClean="0"/>
-              <a:t>5.10.2022 г.</a:t>
+              <a:t>6.10.2022 г.</a:t>
             </a:fld>
             <a:endParaRPr lang="bg-BG"/>
           </a:p>
@@ -8723,7 +8723,7 @@
           <a:p>
             <a:fld id="{16B4F6EC-BCFD-4F50-B80B-64228533EB80}" type="datetimeFigureOut">
               <a:rPr lang="bg-BG" smtClean="0"/>
-              <a:t>5.10.2022 г.</a:t>
+              <a:t>6.10.2022 г.</a:t>
             </a:fld>
             <a:endParaRPr lang="bg-BG"/>
           </a:p>
@@ -9269,7 +9269,7 @@
           <a:p>
             <a:fld id="{16B4F6EC-BCFD-4F50-B80B-64228533EB80}" type="datetimeFigureOut">
               <a:rPr lang="bg-BG" smtClean="0"/>
-              <a:t>5.10.2022 г.</a:t>
+              <a:t>6.10.2022 г.</a:t>
             </a:fld>
             <a:endParaRPr lang="bg-BG"/>
           </a:p>
@@ -9989,7 +9989,7 @@
           <a:p>
             <a:fld id="{16B4F6EC-BCFD-4F50-B80B-64228533EB80}" type="datetimeFigureOut">
               <a:rPr lang="bg-BG" smtClean="0"/>
-              <a:t>5.10.2022 г.</a:t>
+              <a:t>6.10.2022 г.</a:t>
             </a:fld>
             <a:endParaRPr lang="bg-BG"/>
           </a:p>
@@ -10159,7 +10159,7 @@
           <a:p>
             <a:fld id="{16B4F6EC-BCFD-4F50-B80B-64228533EB80}" type="datetimeFigureOut">
               <a:rPr lang="bg-BG" smtClean="0"/>
-              <a:t>5.10.2022 г.</a:t>
+              <a:t>6.10.2022 г.</a:t>
             </a:fld>
             <a:endParaRPr lang="bg-BG"/>
           </a:p>
@@ -10339,7 +10339,7 @@
           <a:p>
             <a:fld id="{16B4F6EC-BCFD-4F50-B80B-64228533EB80}" type="datetimeFigureOut">
               <a:rPr lang="bg-BG" smtClean="0"/>
-              <a:t>5.10.2022 г.</a:t>
+              <a:t>6.10.2022 г.</a:t>
             </a:fld>
             <a:endParaRPr lang="bg-BG"/>
           </a:p>
@@ -10509,7 +10509,7 @@
           <a:p>
             <a:fld id="{16B4F6EC-BCFD-4F50-B80B-64228533EB80}" type="datetimeFigureOut">
               <a:rPr lang="bg-BG" smtClean="0"/>
-              <a:t>5.10.2022 г.</a:t>
+              <a:t>6.10.2022 г.</a:t>
             </a:fld>
             <a:endParaRPr lang="bg-BG"/>
           </a:p>
@@ -10759,7 +10759,7 @@
           <a:p>
             <a:fld id="{16B4F6EC-BCFD-4F50-B80B-64228533EB80}" type="datetimeFigureOut">
               <a:rPr lang="bg-BG" smtClean="0"/>
-              <a:t>5.10.2022 г.</a:t>
+              <a:t>6.10.2022 г.</a:t>
             </a:fld>
             <a:endParaRPr lang="bg-BG"/>
           </a:p>
@@ -10991,7 +10991,7 @@
           <a:p>
             <a:fld id="{16B4F6EC-BCFD-4F50-B80B-64228533EB80}" type="datetimeFigureOut">
               <a:rPr lang="bg-BG" smtClean="0"/>
-              <a:t>5.10.2022 г.</a:t>
+              <a:t>6.10.2022 г.</a:t>
             </a:fld>
             <a:endParaRPr lang="bg-BG"/>
           </a:p>
@@ -11372,7 +11372,7 @@
           <a:p>
             <a:fld id="{16B4F6EC-BCFD-4F50-B80B-64228533EB80}" type="datetimeFigureOut">
               <a:rPr lang="bg-BG" smtClean="0"/>
-              <a:t>5.10.2022 г.</a:t>
+              <a:t>6.10.2022 г.</a:t>
             </a:fld>
             <a:endParaRPr lang="bg-BG"/>
           </a:p>
@@ -11490,7 +11490,7 @@
           <a:p>
             <a:fld id="{16B4F6EC-BCFD-4F50-B80B-64228533EB80}" type="datetimeFigureOut">
               <a:rPr lang="bg-BG" smtClean="0"/>
-              <a:t>5.10.2022 г.</a:t>
+              <a:t>6.10.2022 г.</a:t>
             </a:fld>
             <a:endParaRPr lang="bg-BG"/>
           </a:p>
@@ -11585,7 +11585,7 @@
           <a:p>
             <a:fld id="{16B4F6EC-BCFD-4F50-B80B-64228533EB80}" type="datetimeFigureOut">
               <a:rPr lang="bg-BG" smtClean="0"/>
-              <a:t>5.10.2022 г.</a:t>
+              <a:t>6.10.2022 г.</a:t>
             </a:fld>
             <a:endParaRPr lang="bg-BG"/>
           </a:p>
@@ -11834,7 +11834,7 @@
           <a:p>
             <a:fld id="{16B4F6EC-BCFD-4F50-B80B-64228533EB80}" type="datetimeFigureOut">
               <a:rPr lang="bg-BG" smtClean="0"/>
-              <a:t>5.10.2022 г.</a:t>
+              <a:t>6.10.2022 г.</a:t>
             </a:fld>
             <a:endParaRPr lang="bg-BG"/>
           </a:p>
@@ -12114,7 +12114,7 @@
           <a:p>
             <a:fld id="{16B4F6EC-BCFD-4F50-B80B-64228533EB80}" type="datetimeFigureOut">
               <a:rPr lang="bg-BG" smtClean="0"/>
-              <a:t>5.10.2022 г.</a:t>
+              <a:t>6.10.2022 г.</a:t>
             </a:fld>
             <a:endParaRPr lang="bg-BG"/>
           </a:p>
@@ -12230,7 +12230,7 @@
           <a:noFill/>
           <a:extLst>
             <a:ext uri="{909E8E84-426E-40dd-AFC4-6F175D3DCCD1}">
-              <a14:hiddenFill xmlns:a14="http://schemas.microsoft.com/office/drawing/2010/main" xmlns="">
+              <a14:hiddenFill xmlns="" xmlns:a14="http://schemas.microsoft.com/office/drawing/2010/main">
                 <a:solidFill>
                   <a:srgbClr val="FFFFFF"/>
                 </a:solidFill>
@@ -12304,7 +12304,7 @@
               </a:ln>
               <a:extLst>
                 <a:ext uri="{91240B29-F687-4f45-9708-019B960494DF}">
-                  <a14:hiddenLine xmlns:a14="http://schemas.microsoft.com/office/drawing/2010/main" xmlns="" w="9525">
+                  <a14:hiddenLine xmlns="" xmlns:a14="http://schemas.microsoft.com/office/drawing/2010/main" w="9525">
                     <a:solidFill>
                       <a:srgbClr val="000000"/>
                     </a:solidFill>
@@ -12394,7 +12394,7 @@
               </a:ln>
               <a:extLst>
                 <a:ext uri="{91240B29-F687-4f45-9708-019B960494DF}">
-                  <a14:hiddenLine xmlns:a14="http://schemas.microsoft.com/office/drawing/2010/main" xmlns="" w="9525">
+                  <a14:hiddenLine xmlns="" xmlns:a14="http://schemas.microsoft.com/office/drawing/2010/main" w="9525">
                     <a:solidFill>
                       <a:srgbClr val="000000"/>
                     </a:solidFill>
@@ -12484,7 +12484,7 @@
               </a:ln>
               <a:extLst>
                 <a:ext uri="{91240B29-F687-4f45-9708-019B960494DF}">
-                  <a14:hiddenLine xmlns:a14="http://schemas.microsoft.com/office/drawing/2010/main" xmlns="" w="9525">
+                  <a14:hiddenLine xmlns="" xmlns:a14="http://schemas.microsoft.com/office/drawing/2010/main" w="9525">
                     <a:solidFill>
                       <a:srgbClr val="000000"/>
                     </a:solidFill>
@@ -12546,7 +12546,7 @@
               </a:ln>
               <a:extLst>
                 <a:ext uri="{91240B29-F687-4f45-9708-019B960494DF}">
-                  <a14:hiddenLine xmlns:a14="http://schemas.microsoft.com/office/drawing/2010/main" xmlns="" w="9525">
+                  <a14:hiddenLine xmlns="" xmlns:a14="http://schemas.microsoft.com/office/drawing/2010/main" w="9525">
                     <a:solidFill>
                       <a:srgbClr val="000000"/>
                     </a:solidFill>
@@ -12636,7 +12636,7 @@
               </a:ln>
               <a:extLst>
                 <a:ext uri="{91240B29-F687-4f45-9708-019B960494DF}">
-                  <a14:hiddenLine xmlns:a14="http://schemas.microsoft.com/office/drawing/2010/main" xmlns="" w="9525">
+                  <a14:hiddenLine xmlns="" xmlns:a14="http://schemas.microsoft.com/office/drawing/2010/main" w="9525">
                     <a:solidFill>
                       <a:srgbClr val="000000"/>
                     </a:solidFill>
@@ -12698,7 +12698,7 @@
               </a:ln>
               <a:extLst>
                 <a:ext uri="{91240B29-F687-4f45-9708-019B960494DF}">
-                  <a14:hiddenLine xmlns:a14="http://schemas.microsoft.com/office/drawing/2010/main" xmlns="" w="9525">
+                  <a14:hiddenLine xmlns="" xmlns:a14="http://schemas.microsoft.com/office/drawing/2010/main" w="9525">
                     <a:solidFill>
                       <a:srgbClr val="000000"/>
                     </a:solidFill>
@@ -12760,7 +12760,7 @@
               </a:ln>
               <a:extLst>
                 <a:ext uri="{91240B29-F687-4f45-9708-019B960494DF}">
-                  <a14:hiddenLine xmlns:a14="http://schemas.microsoft.com/office/drawing/2010/main" xmlns="" w="9525">
+                  <a14:hiddenLine xmlns="" xmlns:a14="http://schemas.microsoft.com/office/drawing/2010/main" w="9525">
                     <a:solidFill>
                       <a:srgbClr val="000000"/>
                     </a:solidFill>
@@ -12850,7 +12850,7 @@
               </a:ln>
               <a:extLst>
                 <a:ext uri="{91240B29-F687-4f45-9708-019B960494DF}">
-                  <a14:hiddenLine xmlns:a14="http://schemas.microsoft.com/office/drawing/2010/main" xmlns="" w="9525">
+                  <a14:hiddenLine xmlns="" xmlns:a14="http://schemas.microsoft.com/office/drawing/2010/main" w="9525">
                     <a:solidFill>
                       <a:srgbClr val="000000"/>
                     </a:solidFill>
@@ -12940,7 +12940,7 @@
               </a:ln>
               <a:extLst>
                 <a:ext uri="{91240B29-F687-4f45-9708-019B960494DF}">
-                  <a14:hiddenLine xmlns:a14="http://schemas.microsoft.com/office/drawing/2010/main" xmlns="" w="9525">
+                  <a14:hiddenLine xmlns="" xmlns:a14="http://schemas.microsoft.com/office/drawing/2010/main" w="9525">
                     <a:solidFill>
                       <a:srgbClr val="000000"/>
                     </a:solidFill>
@@ -13002,7 +13002,7 @@
               </a:ln>
               <a:extLst>
                 <a:ext uri="{91240B29-F687-4f45-9708-019B960494DF}">
-                  <a14:hiddenLine xmlns:a14="http://schemas.microsoft.com/office/drawing/2010/main" xmlns="" w="9525">
+                  <a14:hiddenLine xmlns="" xmlns:a14="http://schemas.microsoft.com/office/drawing/2010/main" w="9525">
                     <a:solidFill>
                       <a:srgbClr val="000000"/>
                     </a:solidFill>
@@ -13112,7 +13112,7 @@
               </a:ln>
               <a:extLst>
                 <a:ext uri="{91240B29-F687-4f45-9708-019B960494DF}">
-                  <a14:hiddenLine xmlns:a14="http://schemas.microsoft.com/office/drawing/2010/main" xmlns="" w="9525">
+                  <a14:hiddenLine xmlns="" xmlns:a14="http://schemas.microsoft.com/office/drawing/2010/main" w="9525">
                     <a:solidFill>
                       <a:srgbClr val="000000"/>
                     </a:solidFill>
@@ -13196,7 +13196,7 @@
               </a:ln>
               <a:extLst>
                 <a:ext uri="{91240B29-F687-4f45-9708-019B960494DF}">
-                  <a14:hiddenLine xmlns:a14="http://schemas.microsoft.com/office/drawing/2010/main" xmlns="" w="9525">
+                  <a14:hiddenLine xmlns="" xmlns:a14="http://schemas.microsoft.com/office/drawing/2010/main" w="9525">
                     <a:solidFill>
                       <a:srgbClr val="000000"/>
                     </a:solidFill>
@@ -13258,7 +13258,7 @@
               </a:ln>
               <a:extLst>
                 <a:ext uri="{91240B29-F687-4f45-9708-019B960494DF}">
-                  <a14:hiddenLine xmlns:a14="http://schemas.microsoft.com/office/drawing/2010/main" xmlns="" w="9525">
+                  <a14:hiddenLine xmlns="" xmlns:a14="http://schemas.microsoft.com/office/drawing/2010/main" w="9525">
                     <a:solidFill>
                       <a:srgbClr val="000000"/>
                     </a:solidFill>
@@ -13320,7 +13320,7 @@
               </a:ln>
               <a:extLst>
                 <a:ext uri="{91240B29-F687-4f45-9708-019B960494DF}">
-                  <a14:hiddenLine xmlns:a14="http://schemas.microsoft.com/office/drawing/2010/main" xmlns="" w="9525">
+                  <a14:hiddenLine xmlns="" xmlns:a14="http://schemas.microsoft.com/office/drawing/2010/main" w="9525">
                     <a:solidFill>
                       <a:srgbClr val="000000"/>
                     </a:solidFill>
@@ -13410,7 +13410,7 @@
               </a:ln>
               <a:extLst>
                 <a:ext uri="{91240B29-F687-4f45-9708-019B960494DF}">
-                  <a14:hiddenLine xmlns:a14="http://schemas.microsoft.com/office/drawing/2010/main" xmlns="" w="9525">
+                  <a14:hiddenLine xmlns="" xmlns:a14="http://schemas.microsoft.com/office/drawing/2010/main" w="9525">
                     <a:solidFill>
                       <a:srgbClr val="000000"/>
                     </a:solidFill>
@@ -13444,7 +13444,7 @@
               </a:ln>
               <a:extLst>
                 <a:ext uri="{91240B29-F687-4f45-9708-019B960494DF}">
-                  <a14:hiddenLine xmlns:a14="http://schemas.microsoft.com/office/drawing/2010/main" xmlns="" w="9525">
+                  <a14:hiddenLine xmlns="" xmlns:a14="http://schemas.microsoft.com/office/drawing/2010/main" w="9525">
                     <a:solidFill>
                       <a:srgbClr val="000000"/>
                     </a:solidFill>
@@ -13509,7 +13509,7 @@
               </a:ln>
               <a:extLst>
                 <a:ext uri="{91240B29-F687-4f45-9708-019B960494DF}">
-                  <a14:hiddenLine xmlns:a14="http://schemas.microsoft.com/office/drawing/2010/main" xmlns="" w="9525">
+                  <a14:hiddenLine xmlns="" xmlns:a14="http://schemas.microsoft.com/office/drawing/2010/main" w="9525">
                     <a:solidFill>
                       <a:srgbClr val="000000"/>
                     </a:solidFill>
@@ -13599,7 +13599,7 @@
               </a:ln>
               <a:extLst>
                 <a:ext uri="{91240B29-F687-4f45-9708-019B960494DF}">
-                  <a14:hiddenLine xmlns:a14="http://schemas.microsoft.com/office/drawing/2010/main" xmlns="" w="9525">
+                  <a14:hiddenLine xmlns="" xmlns:a14="http://schemas.microsoft.com/office/drawing/2010/main" w="9525">
                     <a:solidFill>
                       <a:srgbClr val="000000"/>
                     </a:solidFill>
@@ -13661,7 +13661,7 @@
               </a:ln>
               <a:extLst>
                 <a:ext uri="{91240B29-F687-4f45-9708-019B960494DF}">
-                  <a14:hiddenLine xmlns:a14="http://schemas.microsoft.com/office/drawing/2010/main" xmlns="" w="9525">
+                  <a14:hiddenLine xmlns="" xmlns:a14="http://schemas.microsoft.com/office/drawing/2010/main" w="9525">
                     <a:solidFill>
                       <a:srgbClr val="000000"/>
                     </a:solidFill>
@@ -13751,7 +13751,7 @@
               </a:ln>
               <a:extLst>
                 <a:ext uri="{91240B29-F687-4f45-9708-019B960494DF}">
-                  <a14:hiddenLine xmlns:a14="http://schemas.microsoft.com/office/drawing/2010/main" xmlns="" w="9525">
+                  <a14:hiddenLine xmlns="" xmlns:a14="http://schemas.microsoft.com/office/drawing/2010/main" w="9525">
                     <a:solidFill>
                       <a:srgbClr val="000000"/>
                     </a:solidFill>
@@ -13816,7 +13816,7 @@
               </a:ln>
               <a:extLst>
                 <a:ext uri="{91240B29-F687-4f45-9708-019B960494DF}">
-                  <a14:hiddenLine xmlns:a14="http://schemas.microsoft.com/office/drawing/2010/main" xmlns="" w="9525">
+                  <a14:hiddenLine xmlns="" xmlns:a14="http://schemas.microsoft.com/office/drawing/2010/main" w="9525">
                     <a:solidFill>
                       <a:srgbClr val="000000"/>
                     </a:solidFill>
@@ -13878,7 +13878,7 @@
               </a:ln>
               <a:extLst>
                 <a:ext uri="{91240B29-F687-4f45-9708-019B960494DF}">
-                  <a14:hiddenLine xmlns:a14="http://schemas.microsoft.com/office/drawing/2010/main" xmlns="" w="9525">
+                  <a14:hiddenLine xmlns="" xmlns:a14="http://schemas.microsoft.com/office/drawing/2010/main" w="9525">
                     <a:solidFill>
                       <a:srgbClr val="000000"/>
                     </a:solidFill>
@@ -13968,7 +13968,7 @@
               </a:ln>
               <a:extLst>
                 <a:ext uri="{91240B29-F687-4f45-9708-019B960494DF}">
-                  <a14:hiddenLine xmlns:a14="http://schemas.microsoft.com/office/drawing/2010/main" xmlns="" w="9525">
+                  <a14:hiddenLine xmlns="" xmlns:a14="http://schemas.microsoft.com/office/drawing/2010/main" w="9525">
                     <a:solidFill>
                       <a:srgbClr val="000000"/>
                     </a:solidFill>
@@ -14058,7 +14058,7 @@
               </a:ln>
               <a:extLst>
                 <a:ext uri="{91240B29-F687-4f45-9708-019B960494DF}">
-                  <a14:hiddenLine xmlns:a14="http://schemas.microsoft.com/office/drawing/2010/main" xmlns="" w="9525">
+                  <a14:hiddenLine xmlns="" xmlns:a14="http://schemas.microsoft.com/office/drawing/2010/main" w="9525">
                     <a:solidFill>
                       <a:srgbClr val="000000"/>
                     </a:solidFill>
@@ -14123,7 +14123,7 @@
               </a:ln>
               <a:extLst>
                 <a:ext uri="{91240B29-F687-4f45-9708-019B960494DF}">
-                  <a14:hiddenLine xmlns:a14="http://schemas.microsoft.com/office/drawing/2010/main" xmlns="" w="9525">
+                  <a14:hiddenLine xmlns="" xmlns:a14="http://schemas.microsoft.com/office/drawing/2010/main" w="9525">
                     <a:solidFill>
                       <a:srgbClr val="000000"/>
                     </a:solidFill>
@@ -14243,7 +14243,7 @@
               </a:ln>
               <a:extLst>
                 <a:ext uri="{91240B29-F687-4f45-9708-019B960494DF}">
-                  <a14:hiddenLine xmlns:a14="http://schemas.microsoft.com/office/drawing/2010/main" xmlns="" w="9525">
+                  <a14:hiddenLine xmlns="" xmlns:a14="http://schemas.microsoft.com/office/drawing/2010/main" w="9525">
                     <a:solidFill>
                       <a:srgbClr val="000000"/>
                     </a:solidFill>
@@ -14341,7 +14341,7 @@
               </a:ln>
               <a:extLst>
                 <a:ext uri="{91240B29-F687-4f45-9708-019B960494DF}">
-                  <a14:hiddenLine xmlns:a14="http://schemas.microsoft.com/office/drawing/2010/main" xmlns="" w="9525">
+                  <a14:hiddenLine xmlns="" xmlns:a14="http://schemas.microsoft.com/office/drawing/2010/main" w="9525">
                     <a:solidFill>
                       <a:srgbClr val="000000"/>
                     </a:solidFill>
@@ -14456,7 +14456,7 @@
               </a:ln>
               <a:extLst>
                 <a:ext uri="{91240B29-F687-4f45-9708-019B960494DF}">
-                  <a14:hiddenLine xmlns:a14="http://schemas.microsoft.com/office/drawing/2010/main" xmlns="" w="9525">
+                  <a14:hiddenLine xmlns="" xmlns:a14="http://schemas.microsoft.com/office/drawing/2010/main" w="9525">
                     <a:solidFill>
                       <a:srgbClr val="000000"/>
                     </a:solidFill>
@@ -14546,7 +14546,7 @@
               </a:ln>
               <a:extLst>
                 <a:ext uri="{91240B29-F687-4f45-9708-019B960494DF}">
-                  <a14:hiddenLine xmlns:a14="http://schemas.microsoft.com/office/drawing/2010/main" xmlns="" w="9525">
+                  <a14:hiddenLine xmlns="" xmlns:a14="http://schemas.microsoft.com/office/drawing/2010/main" w="9525">
                     <a:solidFill>
                       <a:srgbClr val="000000"/>
                     </a:solidFill>
@@ -14611,7 +14611,7 @@
               </a:ln>
               <a:extLst>
                 <a:ext uri="{91240B29-F687-4f45-9708-019B960494DF}">
-                  <a14:hiddenLine xmlns:a14="http://schemas.microsoft.com/office/drawing/2010/main" xmlns="" w="9525">
+                  <a14:hiddenLine xmlns="" xmlns:a14="http://schemas.microsoft.com/office/drawing/2010/main" w="9525">
                     <a:solidFill>
                       <a:srgbClr val="000000"/>
                     </a:solidFill>
@@ -14701,7 +14701,7 @@
               </a:ln>
               <a:extLst>
                 <a:ext uri="{91240B29-F687-4f45-9708-019B960494DF}">
-                  <a14:hiddenLine xmlns:a14="http://schemas.microsoft.com/office/drawing/2010/main" xmlns="" w="9525">
+                  <a14:hiddenLine xmlns="" xmlns:a14="http://schemas.microsoft.com/office/drawing/2010/main" w="9525">
                     <a:solidFill>
                       <a:srgbClr val="000000"/>
                     </a:solidFill>
@@ -14769,7 +14769,7 @@
               </a:ln>
               <a:extLst>
                 <a:ext uri="{91240B29-F687-4f45-9708-019B960494DF}">
-                  <a14:hiddenLine xmlns:a14="http://schemas.microsoft.com/office/drawing/2010/main" xmlns="" w="9525">
+                  <a14:hiddenLine xmlns="" xmlns:a14="http://schemas.microsoft.com/office/drawing/2010/main" w="9525">
                     <a:solidFill>
                       <a:srgbClr val="000000"/>
                     </a:solidFill>
@@ -14859,7 +14859,7 @@
               </a:ln>
               <a:extLst>
                 <a:ext uri="{91240B29-F687-4f45-9708-019B960494DF}">
-                  <a14:hiddenLine xmlns:a14="http://schemas.microsoft.com/office/drawing/2010/main" xmlns="" w="9525">
+                  <a14:hiddenLine xmlns="" xmlns:a14="http://schemas.microsoft.com/office/drawing/2010/main" w="9525">
                     <a:solidFill>
                       <a:srgbClr val="000000"/>
                     </a:solidFill>
@@ -14927,7 +14927,7 @@
               </a:ln>
               <a:extLst>
                 <a:ext uri="{91240B29-F687-4f45-9708-019B960494DF}">
-                  <a14:hiddenLine xmlns:a14="http://schemas.microsoft.com/office/drawing/2010/main" xmlns="" w="9525">
+                  <a14:hiddenLine xmlns="" xmlns:a14="http://schemas.microsoft.com/office/drawing/2010/main" w="9525">
                     <a:solidFill>
                       <a:srgbClr val="000000"/>
                     </a:solidFill>
@@ -15017,7 +15017,7 @@
               </a:ln>
               <a:extLst>
                 <a:ext uri="{91240B29-F687-4f45-9708-019B960494DF}">
-                  <a14:hiddenLine xmlns:a14="http://schemas.microsoft.com/office/drawing/2010/main" xmlns="" w="9525">
+                  <a14:hiddenLine xmlns="" xmlns:a14="http://schemas.microsoft.com/office/drawing/2010/main" w="9525">
                     <a:solidFill>
                       <a:srgbClr val="000000"/>
                     </a:solidFill>
@@ -15051,7 +15051,7 @@
               </a:ln>
               <a:extLst>
                 <a:ext uri="{91240B29-F687-4f45-9708-019B960494DF}">
-                  <a14:hiddenLine xmlns:a14="http://schemas.microsoft.com/office/drawing/2010/main" xmlns="" w="9525">
+                  <a14:hiddenLine xmlns="" xmlns:a14="http://schemas.microsoft.com/office/drawing/2010/main" w="9525">
                     <a:solidFill>
                       <a:srgbClr val="000000"/>
                     </a:solidFill>
@@ -15191,7 +15191,7 @@
           <a:p>
             <a:fld id="{16B4F6EC-BCFD-4F50-B80B-64228533EB80}" type="datetimeFigureOut">
               <a:rPr lang="bg-BG" smtClean="0"/>
-              <a:t>5.10.2022 г.</a:t>
+              <a:t>6.10.2022 г.</a:t>
             </a:fld>
             <a:endParaRPr lang="bg-BG"/>
           </a:p>
@@ -16267,7 +16267,7 @@
               </a:ln>
               <a:extLst>
                 <a:ext uri="{91240B29-F687-4f45-9708-019B960494DF}">
-                  <a14:hiddenLine xmlns="" xmlns:a16="http://schemas.microsoft.com/office/drawing/2014/main" xmlns:p14="http://schemas.microsoft.com/office/powerpoint/2010/main" xmlns:a14="http://schemas.microsoft.com/office/drawing/2010/main" w="9525">
+                  <a14:hiddenLine xmlns:a14="http://schemas.microsoft.com/office/drawing/2010/main" xmlns:p14="http://schemas.microsoft.com/office/powerpoint/2010/main" xmlns:a16="http://schemas.microsoft.com/office/drawing/2014/main" xmlns="" w="9525">
                     <a:solidFill>
                       <a:srgbClr val="000000"/>
                     </a:solidFill>
@@ -16372,7 +16372,7 @@
               </a:ln>
               <a:extLst>
                 <a:ext uri="{91240B29-F687-4f45-9708-019B960494DF}">
-                  <a14:hiddenLine xmlns="" xmlns:a16="http://schemas.microsoft.com/office/drawing/2014/main" xmlns:p14="http://schemas.microsoft.com/office/powerpoint/2010/main" xmlns:a14="http://schemas.microsoft.com/office/drawing/2010/main" w="9525">
+                  <a14:hiddenLine xmlns:a14="http://schemas.microsoft.com/office/drawing/2010/main" xmlns:p14="http://schemas.microsoft.com/office/powerpoint/2010/main" xmlns:a16="http://schemas.microsoft.com/office/drawing/2014/main" xmlns="" w="9525">
                     <a:solidFill>
                       <a:srgbClr val="000000"/>
                     </a:solidFill>
@@ -16477,7 +16477,7 @@
               </a:ln>
               <a:extLst>
                 <a:ext uri="{91240B29-F687-4f45-9708-019B960494DF}">
-                  <a14:hiddenLine xmlns="" xmlns:a16="http://schemas.microsoft.com/office/drawing/2014/main" xmlns:p14="http://schemas.microsoft.com/office/powerpoint/2010/main" xmlns:a14="http://schemas.microsoft.com/office/drawing/2010/main" w="9525">
+                  <a14:hiddenLine xmlns:a14="http://schemas.microsoft.com/office/drawing/2010/main" xmlns:p14="http://schemas.microsoft.com/office/powerpoint/2010/main" xmlns:a16="http://schemas.microsoft.com/office/drawing/2014/main" xmlns="" w="9525">
                     <a:solidFill>
                       <a:srgbClr val="000000"/>
                     </a:solidFill>
@@ -16554,7 +16554,7 @@
               </a:ln>
               <a:extLst>
                 <a:ext uri="{91240B29-F687-4f45-9708-019B960494DF}">
-                  <a14:hiddenLine xmlns="" xmlns:a16="http://schemas.microsoft.com/office/drawing/2014/main" xmlns:p14="http://schemas.microsoft.com/office/powerpoint/2010/main" xmlns:a14="http://schemas.microsoft.com/office/drawing/2010/main" w="9525">
+                  <a14:hiddenLine xmlns:a14="http://schemas.microsoft.com/office/drawing/2010/main" xmlns:p14="http://schemas.microsoft.com/office/powerpoint/2010/main" xmlns:a16="http://schemas.microsoft.com/office/drawing/2014/main" xmlns="" w="9525">
                     <a:solidFill>
                       <a:srgbClr val="000000"/>
                     </a:solidFill>
@@ -16659,7 +16659,7 @@
               </a:ln>
               <a:extLst>
                 <a:ext uri="{91240B29-F687-4f45-9708-019B960494DF}">
-                  <a14:hiddenLine xmlns="" xmlns:a16="http://schemas.microsoft.com/office/drawing/2014/main" xmlns:p14="http://schemas.microsoft.com/office/powerpoint/2010/main" xmlns:a14="http://schemas.microsoft.com/office/drawing/2010/main" w="9525">
+                  <a14:hiddenLine xmlns:a14="http://schemas.microsoft.com/office/drawing/2010/main" xmlns:p14="http://schemas.microsoft.com/office/powerpoint/2010/main" xmlns:a16="http://schemas.microsoft.com/office/drawing/2014/main" xmlns="" w="9525">
                     <a:solidFill>
                       <a:srgbClr val="000000"/>
                     </a:solidFill>
@@ -16736,7 +16736,7 @@
               </a:ln>
               <a:extLst>
                 <a:ext uri="{91240B29-F687-4f45-9708-019B960494DF}">
-                  <a14:hiddenLine xmlns="" xmlns:a16="http://schemas.microsoft.com/office/drawing/2014/main" xmlns:p14="http://schemas.microsoft.com/office/powerpoint/2010/main" xmlns:a14="http://schemas.microsoft.com/office/drawing/2010/main" w="9525">
+                  <a14:hiddenLine xmlns:a14="http://schemas.microsoft.com/office/drawing/2010/main" xmlns:p14="http://schemas.microsoft.com/office/powerpoint/2010/main" xmlns:a16="http://schemas.microsoft.com/office/drawing/2014/main" xmlns="" w="9525">
                     <a:solidFill>
                       <a:srgbClr val="000000"/>
                     </a:solidFill>
@@ -16813,7 +16813,7 @@
               </a:ln>
               <a:extLst>
                 <a:ext uri="{91240B29-F687-4f45-9708-019B960494DF}">
-                  <a14:hiddenLine xmlns="" xmlns:a16="http://schemas.microsoft.com/office/drawing/2014/main" xmlns:p14="http://schemas.microsoft.com/office/powerpoint/2010/main" xmlns:a14="http://schemas.microsoft.com/office/drawing/2010/main" w="9525">
+                  <a14:hiddenLine xmlns:a14="http://schemas.microsoft.com/office/drawing/2010/main" xmlns:p14="http://schemas.microsoft.com/office/powerpoint/2010/main" xmlns:a16="http://schemas.microsoft.com/office/drawing/2014/main" xmlns="" w="9525">
                     <a:solidFill>
                       <a:srgbClr val="000000"/>
                     </a:solidFill>
@@ -16918,7 +16918,7 @@
               </a:ln>
               <a:extLst>
                 <a:ext uri="{91240B29-F687-4f45-9708-019B960494DF}">
-                  <a14:hiddenLine xmlns="" xmlns:a16="http://schemas.microsoft.com/office/drawing/2014/main" xmlns:p14="http://schemas.microsoft.com/office/powerpoint/2010/main" xmlns:a14="http://schemas.microsoft.com/office/drawing/2010/main" w="9525">
+                  <a14:hiddenLine xmlns:a14="http://schemas.microsoft.com/office/drawing/2010/main" xmlns:p14="http://schemas.microsoft.com/office/powerpoint/2010/main" xmlns:a16="http://schemas.microsoft.com/office/drawing/2014/main" xmlns="" w="9525">
                     <a:solidFill>
                       <a:srgbClr val="000000"/>
                     </a:solidFill>
@@ -17023,7 +17023,7 @@
               </a:ln>
               <a:extLst>
                 <a:ext uri="{91240B29-F687-4f45-9708-019B960494DF}">
-                  <a14:hiddenLine xmlns="" xmlns:a16="http://schemas.microsoft.com/office/drawing/2014/main" xmlns:p14="http://schemas.microsoft.com/office/powerpoint/2010/main" xmlns:a14="http://schemas.microsoft.com/office/drawing/2010/main" w="9525">
+                  <a14:hiddenLine xmlns:a14="http://schemas.microsoft.com/office/drawing/2010/main" xmlns:p14="http://schemas.microsoft.com/office/powerpoint/2010/main" xmlns:a16="http://schemas.microsoft.com/office/drawing/2014/main" xmlns="" w="9525">
                     <a:solidFill>
                       <a:srgbClr val="000000"/>
                     </a:solidFill>
@@ -17100,7 +17100,7 @@
               </a:ln>
               <a:extLst>
                 <a:ext uri="{91240B29-F687-4f45-9708-019B960494DF}">
-                  <a14:hiddenLine xmlns="" xmlns:a16="http://schemas.microsoft.com/office/drawing/2014/main" xmlns:p14="http://schemas.microsoft.com/office/powerpoint/2010/main" xmlns:a14="http://schemas.microsoft.com/office/drawing/2010/main" w="9525">
+                  <a14:hiddenLine xmlns:a14="http://schemas.microsoft.com/office/drawing/2010/main" xmlns:p14="http://schemas.microsoft.com/office/powerpoint/2010/main" xmlns:a16="http://schemas.microsoft.com/office/drawing/2014/main" xmlns="" w="9525">
                     <a:solidFill>
                       <a:srgbClr val="000000"/>
                     </a:solidFill>
@@ -17225,7 +17225,7 @@
               </a:ln>
               <a:extLst>
                 <a:ext uri="{91240B29-F687-4f45-9708-019B960494DF}">
-                  <a14:hiddenLine xmlns="" xmlns:a16="http://schemas.microsoft.com/office/drawing/2014/main" xmlns:p14="http://schemas.microsoft.com/office/powerpoint/2010/main" xmlns:a14="http://schemas.microsoft.com/office/drawing/2010/main" w="9525">
+                  <a14:hiddenLine xmlns:a14="http://schemas.microsoft.com/office/drawing/2010/main" xmlns:p14="http://schemas.microsoft.com/office/powerpoint/2010/main" xmlns:a16="http://schemas.microsoft.com/office/drawing/2014/main" xmlns="" w="9525">
                     <a:solidFill>
                       <a:srgbClr val="000000"/>
                     </a:solidFill>
@@ -17339,7 +17339,7 @@
               </a:ln>
               <a:extLst>
                 <a:ext uri="{91240B29-F687-4f45-9708-019B960494DF}">
-                  <a14:hiddenLine xmlns="" xmlns:a16="http://schemas.microsoft.com/office/drawing/2014/main" xmlns:p14="http://schemas.microsoft.com/office/powerpoint/2010/main" xmlns:a14="http://schemas.microsoft.com/office/drawing/2010/main" w="9525">
+                  <a14:hiddenLine xmlns:a14="http://schemas.microsoft.com/office/drawing/2010/main" xmlns:p14="http://schemas.microsoft.com/office/powerpoint/2010/main" xmlns:a16="http://schemas.microsoft.com/office/drawing/2014/main" xmlns="" w="9525">
                     <a:solidFill>
                       <a:srgbClr val="000000"/>
                     </a:solidFill>
@@ -17416,7 +17416,7 @@
               </a:ln>
               <a:extLst>
                 <a:ext uri="{91240B29-F687-4f45-9708-019B960494DF}">
-                  <a14:hiddenLine xmlns="" xmlns:a16="http://schemas.microsoft.com/office/drawing/2014/main" xmlns:p14="http://schemas.microsoft.com/office/powerpoint/2010/main" xmlns:a14="http://schemas.microsoft.com/office/drawing/2010/main" w="9525">
+                  <a14:hiddenLine xmlns:a14="http://schemas.microsoft.com/office/drawing/2010/main" xmlns:p14="http://schemas.microsoft.com/office/powerpoint/2010/main" xmlns:a16="http://schemas.microsoft.com/office/drawing/2014/main" xmlns="" w="9525">
                     <a:solidFill>
                       <a:srgbClr val="000000"/>
                     </a:solidFill>
@@ -17493,7 +17493,7 @@
               </a:ln>
               <a:extLst>
                 <a:ext uri="{91240B29-F687-4f45-9708-019B960494DF}">
-                  <a14:hiddenLine xmlns="" xmlns:a16="http://schemas.microsoft.com/office/drawing/2014/main" xmlns:p14="http://schemas.microsoft.com/office/powerpoint/2010/main" xmlns:a14="http://schemas.microsoft.com/office/drawing/2010/main" w="9525">
+                  <a14:hiddenLine xmlns:a14="http://schemas.microsoft.com/office/drawing/2010/main" xmlns:p14="http://schemas.microsoft.com/office/powerpoint/2010/main" xmlns:a16="http://schemas.microsoft.com/office/drawing/2014/main" xmlns="" w="9525">
                     <a:solidFill>
                       <a:srgbClr val="000000"/>
                     </a:solidFill>
@@ -17598,7 +17598,7 @@
               </a:ln>
               <a:extLst>
                 <a:ext uri="{91240B29-F687-4f45-9708-019B960494DF}">
-                  <a14:hiddenLine xmlns="" xmlns:a16="http://schemas.microsoft.com/office/drawing/2014/main" xmlns:p14="http://schemas.microsoft.com/office/powerpoint/2010/main" xmlns:a14="http://schemas.microsoft.com/office/drawing/2010/main" w="9525">
+                  <a14:hiddenLine xmlns:a14="http://schemas.microsoft.com/office/drawing/2010/main" xmlns:p14="http://schemas.microsoft.com/office/powerpoint/2010/main" xmlns:a16="http://schemas.microsoft.com/office/drawing/2014/main" xmlns="" w="9525">
                     <a:solidFill>
                       <a:srgbClr val="000000"/>
                     </a:solidFill>
@@ -17647,7 +17647,7 @@
               </a:ln>
               <a:extLst>
                 <a:ext uri="{91240B29-F687-4f45-9708-019B960494DF}">
-                  <a14:hiddenLine xmlns="" xmlns:a16="http://schemas.microsoft.com/office/drawing/2014/main" xmlns:p14="http://schemas.microsoft.com/office/powerpoint/2010/main" xmlns:a14="http://schemas.microsoft.com/office/drawing/2010/main" w="9525">
+                  <a14:hiddenLine xmlns:a14="http://schemas.microsoft.com/office/drawing/2010/main" xmlns:p14="http://schemas.microsoft.com/office/powerpoint/2010/main" xmlns:a16="http://schemas.microsoft.com/office/drawing/2014/main" xmlns="" w="9525">
                     <a:solidFill>
                       <a:srgbClr val="000000"/>
                     </a:solidFill>
@@ -17727,7 +17727,7 @@
               </a:ln>
               <a:extLst>
                 <a:ext uri="{91240B29-F687-4f45-9708-019B960494DF}">
-                  <a14:hiddenLine xmlns="" xmlns:a16="http://schemas.microsoft.com/office/drawing/2014/main" xmlns:p14="http://schemas.microsoft.com/office/powerpoint/2010/main" xmlns:a14="http://schemas.microsoft.com/office/drawing/2010/main" w="9525">
+                  <a14:hiddenLine xmlns:a14="http://schemas.microsoft.com/office/drawing/2010/main" xmlns:p14="http://schemas.microsoft.com/office/powerpoint/2010/main" xmlns:a16="http://schemas.microsoft.com/office/drawing/2014/main" xmlns="" w="9525">
                     <a:solidFill>
                       <a:srgbClr val="000000"/>
                     </a:solidFill>
@@ -17832,7 +17832,7 @@
               </a:ln>
               <a:extLst>
                 <a:ext uri="{91240B29-F687-4f45-9708-019B960494DF}">
-                  <a14:hiddenLine xmlns="" xmlns:a16="http://schemas.microsoft.com/office/drawing/2014/main" xmlns:p14="http://schemas.microsoft.com/office/powerpoint/2010/main" xmlns:a14="http://schemas.microsoft.com/office/drawing/2010/main" w="9525">
+                  <a14:hiddenLine xmlns:a14="http://schemas.microsoft.com/office/drawing/2010/main" xmlns:p14="http://schemas.microsoft.com/office/powerpoint/2010/main" xmlns:a16="http://schemas.microsoft.com/office/drawing/2014/main" xmlns="" w="9525">
                     <a:solidFill>
                       <a:srgbClr val="000000"/>
                     </a:solidFill>
@@ -17909,7 +17909,7 @@
               </a:ln>
               <a:extLst>
                 <a:ext uri="{91240B29-F687-4f45-9708-019B960494DF}">
-                  <a14:hiddenLine xmlns="" xmlns:a16="http://schemas.microsoft.com/office/drawing/2014/main" xmlns:p14="http://schemas.microsoft.com/office/powerpoint/2010/main" xmlns:a14="http://schemas.microsoft.com/office/drawing/2010/main" w="9525">
+                  <a14:hiddenLine xmlns:a14="http://schemas.microsoft.com/office/drawing/2010/main" xmlns:p14="http://schemas.microsoft.com/office/powerpoint/2010/main" xmlns:a16="http://schemas.microsoft.com/office/drawing/2014/main" xmlns="" w="9525">
                     <a:solidFill>
                       <a:srgbClr val="000000"/>
                     </a:solidFill>
@@ -18014,7 +18014,7 @@
               </a:ln>
               <a:extLst>
                 <a:ext uri="{91240B29-F687-4f45-9708-019B960494DF}">
-                  <a14:hiddenLine xmlns="" xmlns:a16="http://schemas.microsoft.com/office/drawing/2014/main" xmlns:p14="http://schemas.microsoft.com/office/powerpoint/2010/main" xmlns:a14="http://schemas.microsoft.com/office/drawing/2010/main" w="9525">
+                  <a14:hiddenLine xmlns:a14="http://schemas.microsoft.com/office/drawing/2010/main" xmlns:p14="http://schemas.microsoft.com/office/powerpoint/2010/main" xmlns:a16="http://schemas.microsoft.com/office/drawing/2014/main" xmlns="" w="9525">
                     <a:solidFill>
                       <a:srgbClr val="000000"/>
                     </a:solidFill>
@@ -18094,7 +18094,7 @@
               </a:ln>
               <a:extLst>
                 <a:ext uri="{91240B29-F687-4f45-9708-019B960494DF}">
-                  <a14:hiddenLine xmlns="" xmlns:a16="http://schemas.microsoft.com/office/drawing/2014/main" xmlns:p14="http://schemas.microsoft.com/office/powerpoint/2010/main" xmlns:a14="http://schemas.microsoft.com/office/drawing/2010/main" w="9525">
+                  <a14:hiddenLine xmlns:a14="http://schemas.microsoft.com/office/drawing/2010/main" xmlns:p14="http://schemas.microsoft.com/office/powerpoint/2010/main" xmlns:a16="http://schemas.microsoft.com/office/drawing/2014/main" xmlns="" w="9525">
                     <a:solidFill>
                       <a:srgbClr val="000000"/>
                     </a:solidFill>
@@ -18171,7 +18171,7 @@
               </a:ln>
               <a:extLst>
                 <a:ext uri="{91240B29-F687-4f45-9708-019B960494DF}">
-                  <a14:hiddenLine xmlns="" xmlns:a16="http://schemas.microsoft.com/office/drawing/2014/main" xmlns:p14="http://schemas.microsoft.com/office/powerpoint/2010/main" xmlns:a14="http://schemas.microsoft.com/office/drawing/2010/main" w="9525">
+                  <a14:hiddenLine xmlns:a14="http://schemas.microsoft.com/office/drawing/2010/main" xmlns:p14="http://schemas.microsoft.com/office/powerpoint/2010/main" xmlns:a16="http://schemas.microsoft.com/office/drawing/2014/main" xmlns="" w="9525">
                     <a:solidFill>
                       <a:srgbClr val="000000"/>
                     </a:solidFill>
@@ -18276,7 +18276,7 @@
               </a:ln>
               <a:extLst>
                 <a:ext uri="{91240B29-F687-4f45-9708-019B960494DF}">
-                  <a14:hiddenLine xmlns="" xmlns:a16="http://schemas.microsoft.com/office/drawing/2014/main" xmlns:p14="http://schemas.microsoft.com/office/powerpoint/2010/main" xmlns:a14="http://schemas.microsoft.com/office/drawing/2010/main" w="9525">
+                  <a14:hiddenLine xmlns:a14="http://schemas.microsoft.com/office/drawing/2010/main" xmlns:p14="http://schemas.microsoft.com/office/powerpoint/2010/main" xmlns:a16="http://schemas.microsoft.com/office/drawing/2014/main" xmlns="" w="9525">
                     <a:solidFill>
                       <a:srgbClr val="000000"/>
                     </a:solidFill>
@@ -18381,7 +18381,7 @@
               </a:ln>
               <a:extLst>
                 <a:ext uri="{91240B29-F687-4f45-9708-019B960494DF}">
-                  <a14:hiddenLine xmlns="" xmlns:a16="http://schemas.microsoft.com/office/drawing/2014/main" xmlns:p14="http://schemas.microsoft.com/office/powerpoint/2010/main" xmlns:a14="http://schemas.microsoft.com/office/drawing/2010/main" w="9525">
+                  <a14:hiddenLine xmlns:a14="http://schemas.microsoft.com/office/drawing/2010/main" xmlns:p14="http://schemas.microsoft.com/office/powerpoint/2010/main" xmlns:a16="http://schemas.microsoft.com/office/drawing/2014/main" xmlns="" w="9525">
                     <a:solidFill>
                       <a:srgbClr val="000000"/>
                     </a:solidFill>
@@ -18461,7 +18461,7 @@
               </a:ln>
               <a:extLst>
                 <a:ext uri="{91240B29-F687-4f45-9708-019B960494DF}">
-                  <a14:hiddenLine xmlns="" xmlns:a16="http://schemas.microsoft.com/office/drawing/2014/main" xmlns:p14="http://schemas.microsoft.com/office/powerpoint/2010/main" xmlns:a14="http://schemas.microsoft.com/office/drawing/2010/main" w="9525">
+                  <a14:hiddenLine xmlns:a14="http://schemas.microsoft.com/office/drawing/2010/main" xmlns:p14="http://schemas.microsoft.com/office/powerpoint/2010/main" xmlns:a16="http://schemas.microsoft.com/office/drawing/2014/main" xmlns="" w="9525">
                     <a:solidFill>
                       <a:srgbClr val="000000"/>
                     </a:solidFill>
@@ -18596,7 +18596,7 @@
               </a:ln>
               <a:extLst>
                 <a:ext uri="{91240B29-F687-4f45-9708-019B960494DF}">
-                  <a14:hiddenLine xmlns="" xmlns:a16="http://schemas.microsoft.com/office/drawing/2014/main" xmlns:p14="http://schemas.microsoft.com/office/powerpoint/2010/main" xmlns:a14="http://schemas.microsoft.com/office/drawing/2010/main" w="9525">
+                  <a14:hiddenLine xmlns:a14="http://schemas.microsoft.com/office/drawing/2010/main" xmlns:p14="http://schemas.microsoft.com/office/powerpoint/2010/main" xmlns:a16="http://schemas.microsoft.com/office/drawing/2014/main" xmlns="" w="9525">
                     <a:solidFill>
                       <a:srgbClr val="000000"/>
                     </a:solidFill>
@@ -18721,7 +18721,7 @@
               </a:ln>
               <a:extLst>
                 <a:ext uri="{91240B29-F687-4f45-9708-019B960494DF}">
-                  <a14:hiddenLine xmlns="" xmlns:a16="http://schemas.microsoft.com/office/drawing/2014/main" xmlns:p14="http://schemas.microsoft.com/office/powerpoint/2010/main" xmlns:a14="http://schemas.microsoft.com/office/drawing/2010/main" w="9525">
+                  <a14:hiddenLine xmlns:a14="http://schemas.microsoft.com/office/drawing/2010/main" xmlns:p14="http://schemas.microsoft.com/office/powerpoint/2010/main" xmlns:a16="http://schemas.microsoft.com/office/drawing/2014/main" xmlns="" w="9525">
                     <a:solidFill>
                       <a:srgbClr val="000000"/>
                     </a:solidFill>
@@ -18851,7 +18851,7 @@
               </a:ln>
               <a:extLst>
                 <a:ext uri="{91240B29-F687-4f45-9708-019B960494DF}">
-                  <a14:hiddenLine xmlns="" xmlns:a16="http://schemas.microsoft.com/office/drawing/2014/main" xmlns:p14="http://schemas.microsoft.com/office/powerpoint/2010/main" xmlns:a14="http://schemas.microsoft.com/office/drawing/2010/main" w="9525">
+                  <a14:hiddenLine xmlns:a14="http://schemas.microsoft.com/office/drawing/2010/main" xmlns:p14="http://schemas.microsoft.com/office/powerpoint/2010/main" xmlns:a16="http://schemas.microsoft.com/office/drawing/2014/main" xmlns="" w="9525">
                     <a:solidFill>
                       <a:srgbClr val="000000"/>
                     </a:solidFill>
@@ -18956,7 +18956,7 @@
               </a:ln>
               <a:extLst>
                 <a:ext uri="{91240B29-F687-4f45-9708-019B960494DF}">
-                  <a14:hiddenLine xmlns="" xmlns:a16="http://schemas.microsoft.com/office/drawing/2014/main" xmlns:p14="http://schemas.microsoft.com/office/powerpoint/2010/main" xmlns:a14="http://schemas.microsoft.com/office/drawing/2010/main" w="9525">
+                  <a14:hiddenLine xmlns:a14="http://schemas.microsoft.com/office/drawing/2010/main" xmlns:p14="http://schemas.microsoft.com/office/powerpoint/2010/main" xmlns:a16="http://schemas.microsoft.com/office/drawing/2014/main" xmlns="" w="9525">
                     <a:solidFill>
                       <a:srgbClr val="000000"/>
                     </a:solidFill>
@@ -19036,7 +19036,7 @@
               </a:ln>
               <a:extLst>
                 <a:ext uri="{91240B29-F687-4f45-9708-019B960494DF}">
-                  <a14:hiddenLine xmlns="" xmlns:a16="http://schemas.microsoft.com/office/drawing/2014/main" xmlns:p14="http://schemas.microsoft.com/office/powerpoint/2010/main" xmlns:a14="http://schemas.microsoft.com/office/drawing/2010/main" w="9525">
+                  <a14:hiddenLine xmlns:a14="http://schemas.microsoft.com/office/drawing/2010/main" xmlns:p14="http://schemas.microsoft.com/office/powerpoint/2010/main" xmlns:a16="http://schemas.microsoft.com/office/drawing/2014/main" xmlns="" w="9525">
                     <a:solidFill>
                       <a:srgbClr val="000000"/>
                     </a:solidFill>
@@ -19141,7 +19141,7 @@
               </a:ln>
               <a:extLst>
                 <a:ext uri="{91240B29-F687-4f45-9708-019B960494DF}">
-                  <a14:hiddenLine xmlns="" xmlns:a16="http://schemas.microsoft.com/office/drawing/2014/main" xmlns:p14="http://schemas.microsoft.com/office/powerpoint/2010/main" xmlns:a14="http://schemas.microsoft.com/office/drawing/2010/main" w="9525">
+                  <a14:hiddenLine xmlns:a14="http://schemas.microsoft.com/office/drawing/2010/main" xmlns:p14="http://schemas.microsoft.com/office/powerpoint/2010/main" xmlns:a16="http://schemas.microsoft.com/office/drawing/2014/main" xmlns="" w="9525">
                     <a:solidFill>
                       <a:srgbClr val="000000"/>
                     </a:solidFill>
@@ -19224,7 +19224,7 @@
               </a:ln>
               <a:extLst>
                 <a:ext uri="{91240B29-F687-4f45-9708-019B960494DF}">
-                  <a14:hiddenLine xmlns="" xmlns:a16="http://schemas.microsoft.com/office/drawing/2014/main" xmlns:p14="http://schemas.microsoft.com/office/powerpoint/2010/main" xmlns:a14="http://schemas.microsoft.com/office/drawing/2010/main" w="9525">
+                  <a14:hiddenLine xmlns:a14="http://schemas.microsoft.com/office/drawing/2010/main" xmlns:p14="http://schemas.microsoft.com/office/powerpoint/2010/main" xmlns:a16="http://schemas.microsoft.com/office/drawing/2014/main" xmlns="" w="9525">
                     <a:solidFill>
                       <a:srgbClr val="000000"/>
                     </a:solidFill>
@@ -19329,7 +19329,7 @@
               </a:ln>
               <a:extLst>
                 <a:ext uri="{91240B29-F687-4f45-9708-019B960494DF}">
-                  <a14:hiddenLine xmlns="" xmlns:a16="http://schemas.microsoft.com/office/drawing/2014/main" xmlns:p14="http://schemas.microsoft.com/office/powerpoint/2010/main" xmlns:a14="http://schemas.microsoft.com/office/drawing/2010/main" w="9525">
+                  <a14:hiddenLine xmlns:a14="http://schemas.microsoft.com/office/drawing/2010/main" xmlns:p14="http://schemas.microsoft.com/office/powerpoint/2010/main" xmlns:a16="http://schemas.microsoft.com/office/drawing/2014/main" xmlns="" w="9525">
                     <a:solidFill>
                       <a:srgbClr val="000000"/>
                     </a:solidFill>
@@ -19412,7 +19412,7 @@
               </a:ln>
               <a:extLst>
                 <a:ext uri="{91240B29-F687-4f45-9708-019B960494DF}">
-                  <a14:hiddenLine xmlns="" xmlns:a16="http://schemas.microsoft.com/office/drawing/2014/main" xmlns:p14="http://schemas.microsoft.com/office/powerpoint/2010/main" xmlns:a14="http://schemas.microsoft.com/office/drawing/2010/main" w="9525">
+                  <a14:hiddenLine xmlns:a14="http://schemas.microsoft.com/office/drawing/2010/main" xmlns:p14="http://schemas.microsoft.com/office/powerpoint/2010/main" xmlns:a16="http://schemas.microsoft.com/office/drawing/2014/main" xmlns="" w="9525">
                     <a:solidFill>
                       <a:srgbClr val="000000"/>
                     </a:solidFill>
@@ -19517,7 +19517,7 @@
               </a:ln>
               <a:extLst>
                 <a:ext uri="{91240B29-F687-4f45-9708-019B960494DF}">
-                  <a14:hiddenLine xmlns="" xmlns:a16="http://schemas.microsoft.com/office/drawing/2014/main" xmlns:p14="http://schemas.microsoft.com/office/powerpoint/2010/main" xmlns:a14="http://schemas.microsoft.com/office/drawing/2010/main" w="9525">
+                  <a14:hiddenLine xmlns:a14="http://schemas.microsoft.com/office/drawing/2010/main" xmlns:p14="http://schemas.microsoft.com/office/powerpoint/2010/main" xmlns:a16="http://schemas.microsoft.com/office/drawing/2014/main" xmlns="" w="9525">
                     <a:solidFill>
                       <a:srgbClr val="000000"/>
                     </a:solidFill>
@@ -19566,7 +19566,7 @@
               </a:ln>
               <a:extLst>
                 <a:ext uri="{91240B29-F687-4f45-9708-019B960494DF}">
-                  <a14:hiddenLine xmlns="" xmlns:a16="http://schemas.microsoft.com/office/drawing/2014/main" xmlns:p14="http://schemas.microsoft.com/office/powerpoint/2010/main" xmlns:a14="http://schemas.microsoft.com/office/drawing/2010/main" w="9525">
+                  <a14:hiddenLine xmlns:a14="http://schemas.microsoft.com/office/drawing/2010/main" xmlns:p14="http://schemas.microsoft.com/office/powerpoint/2010/main" xmlns:a16="http://schemas.microsoft.com/office/drawing/2014/main" xmlns="" w="9525">
                     <a:solidFill>
                       <a:srgbClr val="000000"/>
                     </a:solidFill>
@@ -19628,7 +19628,7 @@
           <a:noFill/>
           <a:extLst>
             <a:ext uri="{909E8E84-426E-40dd-AFC4-6F175D3DCCD1}">
-              <a14:hiddenFill xmlns="" xmlns:a16="http://schemas.microsoft.com/office/drawing/2014/main" xmlns:p14="http://schemas.microsoft.com/office/powerpoint/2010/main" xmlns:a14="http://schemas.microsoft.com/office/drawing/2010/main">
+              <a14:hiddenFill xmlns:a14="http://schemas.microsoft.com/office/drawing/2010/main" xmlns:p14="http://schemas.microsoft.com/office/powerpoint/2010/main" xmlns:a16="http://schemas.microsoft.com/office/drawing/2014/main" xmlns="">
                 <a:solidFill>
                   <a:srgbClr val="FFFFFF"/>
                 </a:solidFill>
@@ -20188,7 +20188,7 @@
               </a:ln>
               <a:extLst>
                 <a:ext uri="{91240B29-F687-4f45-9708-019B960494DF}">
-                  <a14:hiddenLine xmlns="" xmlns:a16="http://schemas.microsoft.com/office/drawing/2014/main" xmlns:p14="http://schemas.microsoft.com/office/powerpoint/2010/main" xmlns:a14="http://schemas.microsoft.com/office/drawing/2010/main" w="9525">
+                  <a14:hiddenLine xmlns:a14="http://schemas.microsoft.com/office/drawing/2010/main" xmlns:p14="http://schemas.microsoft.com/office/powerpoint/2010/main" xmlns:a16="http://schemas.microsoft.com/office/drawing/2014/main" xmlns="" w="9525">
                     <a:solidFill>
                       <a:srgbClr val="000000"/>
                     </a:solidFill>
@@ -20293,7 +20293,7 @@
               </a:ln>
               <a:extLst>
                 <a:ext uri="{91240B29-F687-4f45-9708-019B960494DF}">
-                  <a14:hiddenLine xmlns="" xmlns:a16="http://schemas.microsoft.com/office/drawing/2014/main" xmlns:p14="http://schemas.microsoft.com/office/powerpoint/2010/main" xmlns:a14="http://schemas.microsoft.com/office/drawing/2010/main" w="9525">
+                  <a14:hiddenLine xmlns:a14="http://schemas.microsoft.com/office/drawing/2010/main" xmlns:p14="http://schemas.microsoft.com/office/powerpoint/2010/main" xmlns:a16="http://schemas.microsoft.com/office/drawing/2014/main" xmlns="" w="9525">
                     <a:solidFill>
                       <a:srgbClr val="000000"/>
                     </a:solidFill>
@@ -20398,7 +20398,7 @@
               </a:ln>
               <a:extLst>
                 <a:ext uri="{91240B29-F687-4f45-9708-019B960494DF}">
-                  <a14:hiddenLine xmlns="" xmlns:a16="http://schemas.microsoft.com/office/drawing/2014/main" xmlns:p14="http://schemas.microsoft.com/office/powerpoint/2010/main" xmlns:a14="http://schemas.microsoft.com/office/drawing/2010/main" w="9525">
+                  <a14:hiddenLine xmlns:a14="http://schemas.microsoft.com/office/drawing/2010/main" xmlns:p14="http://schemas.microsoft.com/office/powerpoint/2010/main" xmlns:a16="http://schemas.microsoft.com/office/drawing/2014/main" xmlns="" w="9525">
                     <a:solidFill>
                       <a:srgbClr val="000000"/>
                     </a:solidFill>
@@ -20475,7 +20475,7 @@
               </a:ln>
               <a:extLst>
                 <a:ext uri="{91240B29-F687-4f45-9708-019B960494DF}">
-                  <a14:hiddenLine xmlns="" xmlns:a16="http://schemas.microsoft.com/office/drawing/2014/main" xmlns:p14="http://schemas.microsoft.com/office/powerpoint/2010/main" xmlns:a14="http://schemas.microsoft.com/office/drawing/2010/main" w="9525">
+                  <a14:hiddenLine xmlns:a14="http://schemas.microsoft.com/office/drawing/2010/main" xmlns:p14="http://schemas.microsoft.com/office/powerpoint/2010/main" xmlns:a16="http://schemas.microsoft.com/office/drawing/2014/main" xmlns="" w="9525">
                     <a:solidFill>
                       <a:srgbClr val="000000"/>
                     </a:solidFill>
@@ -20580,7 +20580,7 @@
               </a:ln>
               <a:extLst>
                 <a:ext uri="{91240B29-F687-4f45-9708-019B960494DF}">
-                  <a14:hiddenLine xmlns="" xmlns:a16="http://schemas.microsoft.com/office/drawing/2014/main" xmlns:p14="http://schemas.microsoft.com/office/powerpoint/2010/main" xmlns:a14="http://schemas.microsoft.com/office/drawing/2010/main" w="9525">
+                  <a14:hiddenLine xmlns:a14="http://schemas.microsoft.com/office/drawing/2010/main" xmlns:p14="http://schemas.microsoft.com/office/powerpoint/2010/main" xmlns:a16="http://schemas.microsoft.com/office/drawing/2014/main" xmlns="" w="9525">
                     <a:solidFill>
                       <a:srgbClr val="000000"/>
                     </a:solidFill>
@@ -20657,7 +20657,7 @@
               </a:ln>
               <a:extLst>
                 <a:ext uri="{91240B29-F687-4f45-9708-019B960494DF}">
-                  <a14:hiddenLine xmlns="" xmlns:a16="http://schemas.microsoft.com/office/drawing/2014/main" xmlns:p14="http://schemas.microsoft.com/office/powerpoint/2010/main" xmlns:a14="http://schemas.microsoft.com/office/drawing/2010/main" w="9525">
+                  <a14:hiddenLine xmlns:a14="http://schemas.microsoft.com/office/drawing/2010/main" xmlns:p14="http://schemas.microsoft.com/office/powerpoint/2010/main" xmlns:a16="http://schemas.microsoft.com/office/drawing/2014/main" xmlns="" w="9525">
                     <a:solidFill>
                       <a:srgbClr val="000000"/>
                     </a:solidFill>
@@ -20734,7 +20734,7 @@
               </a:ln>
               <a:extLst>
                 <a:ext uri="{91240B29-F687-4f45-9708-019B960494DF}">
-                  <a14:hiddenLine xmlns="" xmlns:a16="http://schemas.microsoft.com/office/drawing/2014/main" xmlns:p14="http://schemas.microsoft.com/office/powerpoint/2010/main" xmlns:a14="http://schemas.microsoft.com/office/drawing/2010/main" w="9525">
+                  <a14:hiddenLine xmlns:a14="http://schemas.microsoft.com/office/drawing/2010/main" xmlns:p14="http://schemas.microsoft.com/office/powerpoint/2010/main" xmlns:a16="http://schemas.microsoft.com/office/drawing/2014/main" xmlns="" w="9525">
                     <a:solidFill>
                       <a:srgbClr val="000000"/>
                     </a:solidFill>
@@ -20839,7 +20839,7 @@
               </a:ln>
               <a:extLst>
                 <a:ext uri="{91240B29-F687-4f45-9708-019B960494DF}">
-                  <a14:hiddenLine xmlns="" xmlns:a16="http://schemas.microsoft.com/office/drawing/2014/main" xmlns:p14="http://schemas.microsoft.com/office/powerpoint/2010/main" xmlns:a14="http://schemas.microsoft.com/office/drawing/2010/main" w="9525">
+                  <a14:hiddenLine xmlns:a14="http://schemas.microsoft.com/office/drawing/2010/main" xmlns:p14="http://schemas.microsoft.com/office/powerpoint/2010/main" xmlns:a16="http://schemas.microsoft.com/office/drawing/2014/main" xmlns="" w="9525">
                     <a:solidFill>
                       <a:srgbClr val="000000"/>
                     </a:solidFill>
@@ -20944,7 +20944,7 @@
               </a:ln>
               <a:extLst>
                 <a:ext uri="{91240B29-F687-4f45-9708-019B960494DF}">
-                  <a14:hiddenLine xmlns="" xmlns:a16="http://schemas.microsoft.com/office/drawing/2014/main" xmlns:p14="http://schemas.microsoft.com/office/powerpoint/2010/main" xmlns:a14="http://schemas.microsoft.com/office/drawing/2010/main" w="9525">
+                  <a14:hiddenLine xmlns:a14="http://schemas.microsoft.com/office/drawing/2010/main" xmlns:p14="http://schemas.microsoft.com/office/powerpoint/2010/main" xmlns:a16="http://schemas.microsoft.com/office/drawing/2014/main" xmlns="" w="9525">
                     <a:solidFill>
                       <a:srgbClr val="000000"/>
                     </a:solidFill>
@@ -21021,7 +21021,7 @@
               </a:ln>
               <a:extLst>
                 <a:ext uri="{91240B29-F687-4f45-9708-019B960494DF}">
-                  <a14:hiddenLine xmlns="" xmlns:a16="http://schemas.microsoft.com/office/drawing/2014/main" xmlns:p14="http://schemas.microsoft.com/office/powerpoint/2010/main" xmlns:a14="http://schemas.microsoft.com/office/drawing/2010/main" w="9525">
+                  <a14:hiddenLine xmlns:a14="http://schemas.microsoft.com/office/drawing/2010/main" xmlns:p14="http://schemas.microsoft.com/office/powerpoint/2010/main" xmlns:a16="http://schemas.microsoft.com/office/drawing/2014/main" xmlns="" w="9525">
                     <a:solidFill>
                       <a:srgbClr val="000000"/>
                     </a:solidFill>
@@ -21146,7 +21146,7 @@
               </a:ln>
               <a:extLst>
                 <a:ext uri="{91240B29-F687-4f45-9708-019B960494DF}">
-                  <a14:hiddenLine xmlns="" xmlns:a16="http://schemas.microsoft.com/office/drawing/2014/main" xmlns:p14="http://schemas.microsoft.com/office/powerpoint/2010/main" xmlns:a14="http://schemas.microsoft.com/office/drawing/2010/main" w="9525">
+                  <a14:hiddenLine xmlns:a14="http://schemas.microsoft.com/office/drawing/2010/main" xmlns:p14="http://schemas.microsoft.com/office/powerpoint/2010/main" xmlns:a16="http://schemas.microsoft.com/office/drawing/2014/main" xmlns="" w="9525">
                     <a:solidFill>
                       <a:srgbClr val="000000"/>
                     </a:solidFill>
@@ -21260,7 +21260,7 @@
               </a:ln>
               <a:extLst>
                 <a:ext uri="{91240B29-F687-4f45-9708-019B960494DF}">
-                  <a14:hiddenLine xmlns="" xmlns:a16="http://schemas.microsoft.com/office/drawing/2014/main" xmlns:p14="http://schemas.microsoft.com/office/powerpoint/2010/main" xmlns:a14="http://schemas.microsoft.com/office/drawing/2010/main" w="9525">
+                  <a14:hiddenLine xmlns:a14="http://schemas.microsoft.com/office/drawing/2010/main" xmlns:p14="http://schemas.microsoft.com/office/powerpoint/2010/main" xmlns:a16="http://schemas.microsoft.com/office/drawing/2014/main" xmlns="" w="9525">
                     <a:solidFill>
                       <a:srgbClr val="000000"/>
                     </a:solidFill>
@@ -21337,7 +21337,7 @@
               </a:ln>
               <a:extLst>
                 <a:ext uri="{91240B29-F687-4f45-9708-019B960494DF}">
-                  <a14:hiddenLine xmlns="" xmlns:a16="http://schemas.microsoft.com/office/drawing/2014/main" xmlns:p14="http://schemas.microsoft.com/office/powerpoint/2010/main" xmlns:a14="http://schemas.microsoft.com/office/drawing/2010/main" w="9525">
+                  <a14:hiddenLine xmlns:a14="http://schemas.microsoft.com/office/drawing/2010/main" xmlns:p14="http://schemas.microsoft.com/office/powerpoint/2010/main" xmlns:a16="http://schemas.microsoft.com/office/drawing/2014/main" xmlns="" w="9525">
                     <a:solidFill>
                       <a:srgbClr val="000000"/>
                     </a:solidFill>
@@ -21414,7 +21414,7 @@
               </a:ln>
               <a:extLst>
                 <a:ext uri="{91240B29-F687-4f45-9708-019B960494DF}">
-                  <a14:hiddenLine xmlns="" xmlns:a16="http://schemas.microsoft.com/office/drawing/2014/main" xmlns:p14="http://schemas.microsoft.com/office/powerpoint/2010/main" xmlns:a14="http://schemas.microsoft.com/office/drawing/2010/main" w="9525">
+                  <a14:hiddenLine xmlns:a14="http://schemas.microsoft.com/office/drawing/2010/main" xmlns:p14="http://schemas.microsoft.com/office/powerpoint/2010/main" xmlns:a16="http://schemas.microsoft.com/office/drawing/2014/main" xmlns="" w="9525">
                     <a:solidFill>
                       <a:srgbClr val="000000"/>
                     </a:solidFill>
@@ -21519,7 +21519,7 @@
               </a:ln>
               <a:extLst>
                 <a:ext uri="{91240B29-F687-4f45-9708-019B960494DF}">
-                  <a14:hiddenLine xmlns="" xmlns:a16="http://schemas.microsoft.com/office/drawing/2014/main" xmlns:p14="http://schemas.microsoft.com/office/powerpoint/2010/main" xmlns:a14="http://schemas.microsoft.com/office/drawing/2010/main" w="9525">
+                  <a14:hiddenLine xmlns:a14="http://schemas.microsoft.com/office/drawing/2010/main" xmlns:p14="http://schemas.microsoft.com/office/powerpoint/2010/main" xmlns:a16="http://schemas.microsoft.com/office/drawing/2014/main" xmlns="" w="9525">
                     <a:solidFill>
                       <a:srgbClr val="000000"/>
                     </a:solidFill>
@@ -21568,7 +21568,7 @@
               </a:ln>
               <a:extLst>
                 <a:ext uri="{91240B29-F687-4f45-9708-019B960494DF}">
-                  <a14:hiddenLine xmlns="" xmlns:a16="http://schemas.microsoft.com/office/drawing/2014/main" xmlns:p14="http://schemas.microsoft.com/office/powerpoint/2010/main" xmlns:a14="http://schemas.microsoft.com/office/drawing/2010/main" w="9525">
+                  <a14:hiddenLine xmlns:a14="http://schemas.microsoft.com/office/drawing/2010/main" xmlns:p14="http://schemas.microsoft.com/office/powerpoint/2010/main" xmlns:a16="http://schemas.microsoft.com/office/drawing/2014/main" xmlns="" w="9525">
                     <a:solidFill>
                       <a:srgbClr val="000000"/>
                     </a:solidFill>
@@ -21648,7 +21648,7 @@
               </a:ln>
               <a:extLst>
                 <a:ext uri="{91240B29-F687-4f45-9708-019B960494DF}">
-                  <a14:hiddenLine xmlns="" xmlns:a16="http://schemas.microsoft.com/office/drawing/2014/main" xmlns:p14="http://schemas.microsoft.com/office/powerpoint/2010/main" xmlns:a14="http://schemas.microsoft.com/office/drawing/2010/main" w="9525">
+                  <a14:hiddenLine xmlns:a14="http://schemas.microsoft.com/office/drawing/2010/main" xmlns:p14="http://schemas.microsoft.com/office/powerpoint/2010/main" xmlns:a16="http://schemas.microsoft.com/office/drawing/2014/main" xmlns="" w="9525">
                     <a:solidFill>
                       <a:srgbClr val="000000"/>
                     </a:solidFill>
@@ -21753,7 +21753,7 @@
               </a:ln>
               <a:extLst>
                 <a:ext uri="{91240B29-F687-4f45-9708-019B960494DF}">
-                  <a14:hiddenLine xmlns="" xmlns:a16="http://schemas.microsoft.com/office/drawing/2014/main" xmlns:p14="http://schemas.microsoft.com/office/powerpoint/2010/main" xmlns:a14="http://schemas.microsoft.com/office/drawing/2010/main" w="9525">
+                  <a14:hiddenLine xmlns:a14="http://schemas.microsoft.com/office/drawing/2010/main" xmlns:p14="http://schemas.microsoft.com/office/powerpoint/2010/main" xmlns:a16="http://schemas.microsoft.com/office/drawing/2014/main" xmlns="" w="9525">
                     <a:solidFill>
                       <a:srgbClr val="000000"/>
                     </a:solidFill>
@@ -21830,7 +21830,7 @@
               </a:ln>
               <a:extLst>
                 <a:ext uri="{91240B29-F687-4f45-9708-019B960494DF}">
-                  <a14:hiddenLine xmlns="" xmlns:a16="http://schemas.microsoft.com/office/drawing/2014/main" xmlns:p14="http://schemas.microsoft.com/office/powerpoint/2010/main" xmlns:a14="http://schemas.microsoft.com/office/drawing/2010/main" w="9525">
+                  <a14:hiddenLine xmlns:a14="http://schemas.microsoft.com/office/drawing/2010/main" xmlns:p14="http://schemas.microsoft.com/office/powerpoint/2010/main" xmlns:a16="http://schemas.microsoft.com/office/drawing/2014/main" xmlns="" w="9525">
                     <a:solidFill>
                       <a:srgbClr val="000000"/>
                     </a:solidFill>
@@ -21935,7 +21935,7 @@
               </a:ln>
               <a:extLst>
                 <a:ext uri="{91240B29-F687-4f45-9708-019B960494DF}">
-                  <a14:hiddenLine xmlns="" xmlns:a16="http://schemas.microsoft.com/office/drawing/2014/main" xmlns:p14="http://schemas.microsoft.com/office/powerpoint/2010/main" xmlns:a14="http://schemas.microsoft.com/office/drawing/2010/main" w="9525">
+                  <a14:hiddenLine xmlns:a14="http://schemas.microsoft.com/office/drawing/2010/main" xmlns:p14="http://schemas.microsoft.com/office/powerpoint/2010/main" xmlns:a16="http://schemas.microsoft.com/office/drawing/2014/main" xmlns="" w="9525">
                     <a:solidFill>
                       <a:srgbClr val="000000"/>
                     </a:solidFill>
@@ -22015,7 +22015,7 @@
               </a:ln>
               <a:extLst>
                 <a:ext uri="{91240B29-F687-4f45-9708-019B960494DF}">
-                  <a14:hiddenLine xmlns="" xmlns:a16="http://schemas.microsoft.com/office/drawing/2014/main" xmlns:p14="http://schemas.microsoft.com/office/powerpoint/2010/main" xmlns:a14="http://schemas.microsoft.com/office/drawing/2010/main" w="9525">
+                  <a14:hiddenLine xmlns:a14="http://schemas.microsoft.com/office/drawing/2010/main" xmlns:p14="http://schemas.microsoft.com/office/powerpoint/2010/main" xmlns:a16="http://schemas.microsoft.com/office/drawing/2014/main" xmlns="" w="9525">
                     <a:solidFill>
                       <a:srgbClr val="000000"/>
                     </a:solidFill>
@@ -22092,7 +22092,7 @@
               </a:ln>
               <a:extLst>
                 <a:ext uri="{91240B29-F687-4f45-9708-019B960494DF}">
-                  <a14:hiddenLine xmlns="" xmlns:a16="http://schemas.microsoft.com/office/drawing/2014/main" xmlns:p14="http://schemas.microsoft.com/office/powerpoint/2010/main" xmlns:a14="http://schemas.microsoft.com/office/drawing/2010/main" w="9525">
+                  <a14:hiddenLine xmlns:a14="http://schemas.microsoft.com/office/drawing/2010/main" xmlns:p14="http://schemas.microsoft.com/office/powerpoint/2010/main" xmlns:a16="http://schemas.microsoft.com/office/drawing/2014/main" xmlns="" w="9525">
                     <a:solidFill>
                       <a:srgbClr val="000000"/>
                     </a:solidFill>
@@ -22197,7 +22197,7 @@
               </a:ln>
               <a:extLst>
                 <a:ext uri="{91240B29-F687-4f45-9708-019B960494DF}">
-                  <a14:hiddenLine xmlns="" xmlns:a16="http://schemas.microsoft.com/office/drawing/2014/main" xmlns:p14="http://schemas.microsoft.com/office/powerpoint/2010/main" xmlns:a14="http://schemas.microsoft.com/office/drawing/2010/main" w="9525">
+                  <a14:hiddenLine xmlns:a14="http://schemas.microsoft.com/office/drawing/2010/main" xmlns:p14="http://schemas.microsoft.com/office/powerpoint/2010/main" xmlns:a16="http://schemas.microsoft.com/office/drawing/2014/main" xmlns="" w="9525">
                     <a:solidFill>
                       <a:srgbClr val="000000"/>
                     </a:solidFill>
@@ -22302,7 +22302,7 @@
               </a:ln>
               <a:extLst>
                 <a:ext uri="{91240B29-F687-4f45-9708-019B960494DF}">
-                  <a14:hiddenLine xmlns="" xmlns:a16="http://schemas.microsoft.com/office/drawing/2014/main" xmlns:p14="http://schemas.microsoft.com/office/powerpoint/2010/main" xmlns:a14="http://schemas.microsoft.com/office/drawing/2010/main" w="9525">
+                  <a14:hiddenLine xmlns:a14="http://schemas.microsoft.com/office/drawing/2010/main" xmlns:p14="http://schemas.microsoft.com/office/powerpoint/2010/main" xmlns:a16="http://schemas.microsoft.com/office/drawing/2014/main" xmlns="" w="9525">
                     <a:solidFill>
                       <a:srgbClr val="000000"/>
                     </a:solidFill>
@@ -22382,7 +22382,7 @@
               </a:ln>
               <a:extLst>
                 <a:ext uri="{91240B29-F687-4f45-9708-019B960494DF}">
-                  <a14:hiddenLine xmlns="" xmlns:a16="http://schemas.microsoft.com/office/drawing/2014/main" xmlns:p14="http://schemas.microsoft.com/office/powerpoint/2010/main" xmlns:a14="http://schemas.microsoft.com/office/drawing/2010/main" w="9525">
+                  <a14:hiddenLine xmlns:a14="http://schemas.microsoft.com/office/drawing/2010/main" xmlns:p14="http://schemas.microsoft.com/office/powerpoint/2010/main" xmlns:a16="http://schemas.microsoft.com/office/drawing/2014/main" xmlns="" w="9525">
                     <a:solidFill>
                       <a:srgbClr val="000000"/>
                     </a:solidFill>
@@ -22517,7 +22517,7 @@
               </a:ln>
               <a:extLst>
                 <a:ext uri="{91240B29-F687-4f45-9708-019B960494DF}">
-                  <a14:hiddenLine xmlns="" xmlns:a16="http://schemas.microsoft.com/office/drawing/2014/main" xmlns:p14="http://schemas.microsoft.com/office/powerpoint/2010/main" xmlns:a14="http://schemas.microsoft.com/office/drawing/2010/main" w="9525">
+                  <a14:hiddenLine xmlns:a14="http://schemas.microsoft.com/office/drawing/2010/main" xmlns:p14="http://schemas.microsoft.com/office/powerpoint/2010/main" xmlns:a16="http://schemas.microsoft.com/office/drawing/2014/main" xmlns="" w="9525">
                     <a:solidFill>
                       <a:srgbClr val="000000"/>
                     </a:solidFill>
@@ -22642,7 +22642,7 @@
               </a:ln>
               <a:extLst>
                 <a:ext uri="{91240B29-F687-4f45-9708-019B960494DF}">
-                  <a14:hiddenLine xmlns="" xmlns:a16="http://schemas.microsoft.com/office/drawing/2014/main" xmlns:p14="http://schemas.microsoft.com/office/powerpoint/2010/main" xmlns:a14="http://schemas.microsoft.com/office/drawing/2010/main" w="9525">
+                  <a14:hiddenLine xmlns:a14="http://schemas.microsoft.com/office/drawing/2010/main" xmlns:p14="http://schemas.microsoft.com/office/powerpoint/2010/main" xmlns:a16="http://schemas.microsoft.com/office/drawing/2014/main" xmlns="" w="9525">
                     <a:solidFill>
                       <a:srgbClr val="000000"/>
                     </a:solidFill>
@@ -22772,7 +22772,7 @@
               </a:ln>
               <a:extLst>
                 <a:ext uri="{91240B29-F687-4f45-9708-019B960494DF}">
-                  <a14:hiddenLine xmlns="" xmlns:a16="http://schemas.microsoft.com/office/drawing/2014/main" xmlns:p14="http://schemas.microsoft.com/office/powerpoint/2010/main" xmlns:a14="http://schemas.microsoft.com/office/drawing/2010/main" w="9525">
+                  <a14:hiddenLine xmlns:a14="http://schemas.microsoft.com/office/drawing/2010/main" xmlns:p14="http://schemas.microsoft.com/office/powerpoint/2010/main" xmlns:a16="http://schemas.microsoft.com/office/drawing/2014/main" xmlns="" w="9525">
                     <a:solidFill>
                       <a:srgbClr val="000000"/>
                     </a:solidFill>
@@ -22877,7 +22877,7 @@
               </a:ln>
               <a:extLst>
                 <a:ext uri="{91240B29-F687-4f45-9708-019B960494DF}">
-                  <a14:hiddenLine xmlns="" xmlns:a16="http://schemas.microsoft.com/office/drawing/2014/main" xmlns:p14="http://schemas.microsoft.com/office/powerpoint/2010/main" xmlns:a14="http://schemas.microsoft.com/office/drawing/2010/main" w="9525">
+                  <a14:hiddenLine xmlns:a14="http://schemas.microsoft.com/office/drawing/2010/main" xmlns:p14="http://schemas.microsoft.com/office/powerpoint/2010/main" xmlns:a16="http://schemas.microsoft.com/office/drawing/2014/main" xmlns="" w="9525">
                     <a:solidFill>
                       <a:srgbClr val="000000"/>
                     </a:solidFill>
@@ -22957,7 +22957,7 @@
               </a:ln>
               <a:extLst>
                 <a:ext uri="{91240B29-F687-4f45-9708-019B960494DF}">
-                  <a14:hiddenLine xmlns="" xmlns:a16="http://schemas.microsoft.com/office/drawing/2014/main" xmlns:p14="http://schemas.microsoft.com/office/powerpoint/2010/main" xmlns:a14="http://schemas.microsoft.com/office/drawing/2010/main" w="9525">
+                  <a14:hiddenLine xmlns:a14="http://schemas.microsoft.com/office/drawing/2010/main" xmlns:p14="http://schemas.microsoft.com/office/powerpoint/2010/main" xmlns:a16="http://schemas.microsoft.com/office/drawing/2014/main" xmlns="" w="9525">
                     <a:solidFill>
                       <a:srgbClr val="000000"/>
                     </a:solidFill>
@@ -23062,7 +23062,7 @@
               </a:ln>
               <a:extLst>
                 <a:ext uri="{91240B29-F687-4f45-9708-019B960494DF}">
-                  <a14:hiddenLine xmlns="" xmlns:a16="http://schemas.microsoft.com/office/drawing/2014/main" xmlns:p14="http://schemas.microsoft.com/office/powerpoint/2010/main" xmlns:a14="http://schemas.microsoft.com/office/drawing/2010/main" w="9525">
+                  <a14:hiddenLine xmlns:a14="http://schemas.microsoft.com/office/drawing/2010/main" xmlns:p14="http://schemas.microsoft.com/office/powerpoint/2010/main" xmlns:a16="http://schemas.microsoft.com/office/drawing/2014/main" xmlns="" w="9525">
                     <a:solidFill>
                       <a:srgbClr val="000000"/>
                     </a:solidFill>
@@ -23145,7 +23145,7 @@
               </a:ln>
               <a:extLst>
                 <a:ext uri="{91240B29-F687-4f45-9708-019B960494DF}">
-                  <a14:hiddenLine xmlns="" xmlns:a16="http://schemas.microsoft.com/office/drawing/2014/main" xmlns:p14="http://schemas.microsoft.com/office/powerpoint/2010/main" xmlns:a14="http://schemas.microsoft.com/office/drawing/2010/main" w="9525">
+                  <a14:hiddenLine xmlns:a14="http://schemas.microsoft.com/office/drawing/2010/main" xmlns:p14="http://schemas.microsoft.com/office/powerpoint/2010/main" xmlns:a16="http://schemas.microsoft.com/office/drawing/2014/main" xmlns="" w="9525">
                     <a:solidFill>
                       <a:srgbClr val="000000"/>
                     </a:solidFill>
@@ -23250,7 +23250,7 @@
               </a:ln>
               <a:extLst>
                 <a:ext uri="{91240B29-F687-4f45-9708-019B960494DF}">
-                  <a14:hiddenLine xmlns="" xmlns:a16="http://schemas.microsoft.com/office/drawing/2014/main" xmlns:p14="http://schemas.microsoft.com/office/powerpoint/2010/main" xmlns:a14="http://schemas.microsoft.com/office/drawing/2010/main" w="9525">
+                  <a14:hiddenLine xmlns:a14="http://schemas.microsoft.com/office/drawing/2010/main" xmlns:p14="http://schemas.microsoft.com/office/powerpoint/2010/main" xmlns:a16="http://schemas.microsoft.com/office/drawing/2014/main" xmlns="" w="9525">
                     <a:solidFill>
                       <a:srgbClr val="000000"/>
                     </a:solidFill>
@@ -23333,7 +23333,7 @@
               </a:ln>
               <a:extLst>
                 <a:ext uri="{91240B29-F687-4f45-9708-019B960494DF}">
-                  <a14:hiddenLine xmlns="" xmlns:a16="http://schemas.microsoft.com/office/drawing/2014/main" xmlns:p14="http://schemas.microsoft.com/office/powerpoint/2010/main" xmlns:a14="http://schemas.microsoft.com/office/drawing/2010/main" w="9525">
+                  <a14:hiddenLine xmlns:a14="http://schemas.microsoft.com/office/drawing/2010/main" xmlns:p14="http://schemas.microsoft.com/office/powerpoint/2010/main" xmlns:a16="http://schemas.microsoft.com/office/drawing/2014/main" xmlns="" w="9525">
                     <a:solidFill>
                       <a:srgbClr val="000000"/>
                     </a:solidFill>
@@ -23438,7 +23438,7 @@
               </a:ln>
               <a:extLst>
                 <a:ext uri="{91240B29-F687-4f45-9708-019B960494DF}">
-                  <a14:hiddenLine xmlns="" xmlns:a16="http://schemas.microsoft.com/office/drawing/2014/main" xmlns:p14="http://schemas.microsoft.com/office/powerpoint/2010/main" xmlns:a14="http://schemas.microsoft.com/office/drawing/2010/main" w="9525">
+                  <a14:hiddenLine xmlns:a14="http://schemas.microsoft.com/office/drawing/2010/main" xmlns:p14="http://schemas.microsoft.com/office/powerpoint/2010/main" xmlns:a16="http://schemas.microsoft.com/office/drawing/2014/main" xmlns="" w="9525">
                     <a:solidFill>
                       <a:srgbClr val="000000"/>
                     </a:solidFill>
@@ -23487,7 +23487,7 @@
               </a:ln>
               <a:extLst>
                 <a:ext uri="{91240B29-F687-4f45-9708-019B960494DF}">
-                  <a14:hiddenLine xmlns="" xmlns:a16="http://schemas.microsoft.com/office/drawing/2014/main" xmlns:p14="http://schemas.microsoft.com/office/powerpoint/2010/main" xmlns:a14="http://schemas.microsoft.com/office/drawing/2010/main" w="9525">
+                  <a14:hiddenLine xmlns:a14="http://schemas.microsoft.com/office/drawing/2010/main" xmlns:p14="http://schemas.microsoft.com/office/powerpoint/2010/main" xmlns:a16="http://schemas.microsoft.com/office/drawing/2014/main" xmlns="" w="9525">
                     <a:solidFill>
                       <a:srgbClr val="000000"/>
                     </a:solidFill>
@@ -23549,7 +23549,7 @@
           <a:noFill/>
           <a:extLst>
             <a:ext uri="{909E8E84-426E-40dd-AFC4-6F175D3DCCD1}">
-              <a14:hiddenFill xmlns="" xmlns:a16="http://schemas.microsoft.com/office/drawing/2014/main" xmlns:p14="http://schemas.microsoft.com/office/powerpoint/2010/main" xmlns:a14="http://schemas.microsoft.com/office/drawing/2010/main">
+              <a14:hiddenFill xmlns:a14="http://schemas.microsoft.com/office/drawing/2010/main" xmlns:p14="http://schemas.microsoft.com/office/powerpoint/2010/main" xmlns:a16="http://schemas.microsoft.com/office/drawing/2014/main" xmlns="">
                 <a:solidFill>
                   <a:srgbClr val="FFFFFF"/>
                 </a:solidFill>
@@ -23744,12 +23744,12 @@
         </p:spPr>
         <p:txBody>
           <a:bodyPr>
-            <a:normAutofit/>
+            <a:normAutofit fontScale="62500" lnSpcReduction="20000"/>
           </a:bodyPr>
           <a:lstStyle/>
           <a:p>
             <a:r>
-              <a:rPr lang="bg-BG">
+              <a:rPr lang="bg-BG" dirty="0">
                 <a:solidFill>
                   <a:srgbClr val="FFFFFF"/>
                 </a:solidFill>
@@ -23759,7 +23759,7 @@
           </a:p>
           <a:p>
             <a:r>
-              <a:rPr lang="bg-BG">
+              <a:rPr lang="bg-BG" dirty="0">
                 <a:solidFill>
                   <a:srgbClr val="FFFFFF"/>
                 </a:solidFill>
@@ -23769,7 +23769,7 @@
           </a:p>
           <a:p>
             <a:r>
-              <a:rPr lang="bg-BG">
+              <a:rPr lang="bg-BG" dirty="0">
                 <a:solidFill>
                   <a:srgbClr val="FFFFFF"/>
                 </a:solidFill>
@@ -23779,7 +23779,7 @@
           </a:p>
           <a:p>
             <a:r>
-              <a:rPr lang="bg-BG">
+              <a:rPr lang="bg-BG" dirty="0">
                 <a:solidFill>
                   <a:srgbClr val="FFFFFF"/>
                 </a:solidFill>
@@ -23789,22 +23789,46 @@
           </a:p>
           <a:p>
             <a:r>
-              <a:rPr lang="bg-BG">
+              <a:rPr lang="bg-BG" dirty="0" err="1">
                 <a:solidFill>
                   <a:srgbClr val="FFFFFF"/>
                 </a:solidFill>
               </a:rPr>
               <a:t>Проактивност</a:t>
             </a:r>
+            <a:endParaRPr lang="bg-BG" dirty="0">
+              <a:solidFill>
+                <a:srgbClr val="FFFFFF"/>
+              </a:solidFill>
+            </a:endParaRPr>
           </a:p>
           <a:p>
             <a:r>
-              <a:rPr lang="bg-BG">
+              <a:rPr lang="bg-BG" dirty="0">
                 <a:solidFill>
                   <a:srgbClr val="FFFFFF"/>
                 </a:solidFill>
               </a:rPr>
               <a:t>Мотивация</a:t>
+            </a:r>
+          </a:p>
+          <a:p>
+            <a:r>
+              <a:rPr lang="en-US" dirty="0">
+                <a:solidFill>
+                  <a:srgbClr val="FFFFFF"/>
+                </a:solidFill>
+                <a:hlinkClick r:id="rId4"/>
+              </a:rPr>
+              <a:t>https://www.youtube.com/watch?v=_I64w0WXamg&amp;t=213s&amp;ab_channel=%D0%A1%D0%B2%D1%80%D1%8A%D1%85%D1%87%D0%BE%D0%B2%D0%B5%D0%BA%D1%8A%D1%82%D1%81%D0%93%D0%B5%D0%BE%D1%80%D0%B3%D0%B8%D0%9D%D0%B5%D0%BD%D0%BE%D0%B2</a:t>
+            </a:r>
+            <a:r>
+              <a:rPr lang="bg-BG" dirty="0">
+                <a:solidFill>
+                  <a:srgbClr val="FFFFFF"/>
+                </a:solidFill>
+              </a:rPr>
+              <a:t> </a:t>
             </a:r>
           </a:p>
         </p:txBody>
@@ -24078,15 +24102,15 @@
           </a:p>
           <a:p>
             <a:r>
-              <a:rPr lang="en-US">
+              <a:rPr lang="en-US" dirty="0">
                 <a:hlinkClick r:id="rId4"/>
               </a:rPr>
               <a:t>https://github.com/NaskoVasilev/Data-Structures</a:t>
             </a:r>
-            <a:endParaRPr lang="en-US"/>
+            <a:endParaRPr lang="en-US" dirty="0"/>
           </a:p>
           <a:p>
-            <a:endParaRPr lang="en-US"/>
+            <a:endParaRPr lang="en-US" dirty="0"/>
           </a:p>
           <a:p>
             <a:endParaRPr lang="bg-BG" dirty="0"/>
@@ -24177,7 +24201,7 @@
         <p:spPr/>
         <p:txBody>
           <a:bodyPr>
-            <a:normAutofit fontScale="85000" lnSpcReduction="10000"/>
+            <a:normAutofit fontScale="70000" lnSpcReduction="20000"/>
           </a:bodyPr>
           <a:lstStyle/>
           <a:p>
@@ -24203,14 +24227,13 @@
             <a:endParaRPr lang="en-US" b="1" dirty="0"/>
           </a:p>
           <a:p>
-            <a:pPr lvl="1"/>
             <a:r>
               <a:rPr lang="bg-BG" dirty="0"/>
               <a:t>Аргументите на функциите се предават по стойност</a:t>
             </a:r>
           </a:p>
           <a:p>
-            <a:pPr lvl="2"/>
+            <a:pPr lvl="1"/>
             <a:r>
               <a:rPr lang="en-US" dirty="0">
                 <a:hlinkClick r:id="rId2"/>
@@ -24220,7 +24243,6 @@
             <a:endParaRPr lang="bg-BG" dirty="0"/>
           </a:p>
           <a:p>
-            <a:pPr lvl="1"/>
             <a:r>
               <a:rPr lang="bg-BG" dirty="0"/>
               <a:t>Не използвайте динамична памет</a:t>
@@ -24231,7 +24253,6 @@
             </a:r>
           </a:p>
           <a:p>
-            <a:pPr lvl="1"/>
             <a:r>
               <a:rPr lang="bg-BG" dirty="0"/>
               <a:t>Без ООП</a:t>
@@ -24246,21 +24267,19 @@
             </a:r>
           </a:p>
           <a:p>
-            <a:pPr lvl="1"/>
             <a:r>
               <a:rPr lang="bg-BG" dirty="0"/>
               <a:t>Използвайте лист и химикал!</a:t>
             </a:r>
           </a:p>
           <a:p>
-            <a:pPr lvl="1"/>
             <a:r>
               <a:rPr lang="en-US" dirty="0"/>
               <a:t>String, vector, pair</a:t>
             </a:r>
           </a:p>
           <a:p>
-            <a:pPr lvl="2"/>
+            <a:pPr lvl="1"/>
             <a:r>
               <a:rPr lang="en-US" dirty="0" err="1"/>
               <a:t>Stl</a:t>
